--- a/gene_fusions/content/CBW_BiCG_GeneFusionsLab_2014.pptx
+++ b/gene_fusions/content/CBW_BiCG_GeneFusionsLab_2014.pptx
@@ -5,10 +5,10 @@
     <p:sldMasterId id="2147483648" r:id="rId1"/>
   </p:sldMasterIdLst>
   <p:notesMasterIdLst>
-    <p:notesMasterId r:id="rId10"/>
+    <p:notesMasterId r:id="rId16"/>
   </p:notesMasterIdLst>
   <p:handoutMasterIdLst>
-    <p:handoutMasterId r:id="rId11"/>
+    <p:handoutMasterId r:id="rId17"/>
   </p:handoutMasterIdLst>
   <p:sldIdLst>
     <p:sldId id="341" r:id="rId2"/>
@@ -19,6 +19,12 @@
     <p:sldId id="515" r:id="rId7"/>
     <p:sldId id="516" r:id="rId8"/>
     <p:sldId id="517" r:id="rId9"/>
+    <p:sldId id="518" r:id="rId10"/>
+    <p:sldId id="520" r:id="rId11"/>
+    <p:sldId id="521" r:id="rId12"/>
+    <p:sldId id="522" r:id="rId13"/>
+    <p:sldId id="523" r:id="rId14"/>
+    <p:sldId id="524" r:id="rId15"/>
   </p:sldIdLst>
   <p:sldSz cx="9144000" cy="6858000" type="screen4x3"/>
   <p:notesSz cx="7315200" cy="9601200"/>
@@ -160,6 +166,12 @@
             <p14:sldId id="515"/>
             <p14:sldId id="516"/>
             <p14:sldId id="517"/>
+            <p14:sldId id="518"/>
+            <p14:sldId id="520"/>
+            <p14:sldId id="521"/>
+            <p14:sldId id="522"/>
+            <p14:sldId id="523"/>
+            <p14:sldId id="524"/>
           </p14:sldIdLst>
         </p14:section>
       </p14:sectionLst>
@@ -3878,6 +3890,892 @@
 </p:sld>
 </file>
 
+<file path=ppt/slides/slide10.xml><?xml version="1.0" encoding="utf-8"?>
+<p:sld xmlns:a="http://schemas.openxmlformats.org/drawingml/2006/main" xmlns:r="http://schemas.openxmlformats.org/officeDocument/2006/relationships" xmlns:p="http://schemas.openxmlformats.org/presentationml/2006/main">
+  <p:cSld>
+    <p:spTree>
+      <p:nvGrpSpPr>
+        <p:cNvPr id="1" name=""/>
+        <p:cNvGrpSpPr/>
+        <p:nvPr/>
+      </p:nvGrpSpPr>
+      <p:grpSpPr>
+        <a:xfrm>
+          <a:off x="0" y="0"/>
+          <a:ext cx="0" cy="0"/>
+          <a:chOff x="0" y="0"/>
+          <a:chExt cx="0" cy="0"/>
+        </a:xfrm>
+      </p:grpSpPr>
+      <p:sp>
+        <p:nvSpPr>
+          <p:cNvPr id="2" name="Title 1"/>
+          <p:cNvSpPr>
+            <a:spLocks noGrp="1"/>
+          </p:cNvSpPr>
+          <p:nvPr>
+            <p:ph type="title"/>
+          </p:nvPr>
+        </p:nvSpPr>
+        <p:spPr/>
+        <p:txBody>
+          <a:bodyPr/>
+          <a:lstStyle/>
+          <a:p>
+            <a:r>
+              <a:rPr lang="en-US" dirty="0" smtClean="0"/>
+              <a:t>Example 2: Artifact fusion induced by repetitive genome sequence </a:t>
+            </a:r>
+            <a:endParaRPr lang="en-US" dirty="0"/>
+          </a:p>
+        </p:txBody>
+      </p:sp>
+      <p:sp>
+        <p:nvSpPr>
+          <p:cNvPr id="3" name="Content Placeholder 2"/>
+          <p:cNvSpPr>
+            <a:spLocks noGrp="1"/>
+          </p:cNvSpPr>
+          <p:nvPr>
+            <p:ph idx="1"/>
+          </p:nvPr>
+        </p:nvSpPr>
+        <p:spPr/>
+        <p:txBody>
+          <a:bodyPr/>
+          <a:lstStyle/>
+          <a:p>
+            <a:r>
+              <a:rPr lang="en-US" dirty="0"/>
+              <a:t>one part of the query sequence maps to many locations in the genome</a:t>
+            </a:r>
+          </a:p>
+        </p:txBody>
+      </p:sp>
+      <p:sp>
+        <p:nvSpPr>
+          <p:cNvPr id="4" name="TextBox 3"/>
+          <p:cNvSpPr txBox="1"/>
+          <p:nvPr/>
+        </p:nvSpPr>
+        <p:spPr>
+          <a:xfrm>
+            <a:off x="251520" y="2852936"/>
+            <a:ext cx="9361040" cy="2970043"/>
+          </a:xfrm>
+          <a:prstGeom prst="rect">
+            <a:avLst/>
+          </a:prstGeom>
+          <a:noFill/>
+        </p:spPr>
+        <p:txBody>
+          <a:bodyPr wrap="square" rtlCol="0">
+            <a:spAutoFit/>
+          </a:bodyPr>
+          <a:lstStyle/>
+          <a:p>
+            <a:r>
+              <a:rPr lang="en-US" sz="1100" dirty="0">
+                <a:latin typeface="Courier"/>
+                <a:cs typeface="Courier"/>
+              </a:rPr>
+              <a:t> ACTIONS      QUERY           SCORE START  END QSIZE IDENTITY CHRO STRAND  START    END      SPAN</a:t>
+            </a:r>
+          </a:p>
+          <a:p>
+            <a:r>
+              <a:rPr lang="en-US" sz="1100" dirty="0">
+                <a:latin typeface="Courier"/>
+                <a:cs typeface="Courier"/>
+              </a:rPr>
+              <a:t>---------------------------------------------------------------------------------------------------</a:t>
+            </a:r>
+          </a:p>
+          <a:p>
+            <a:r>
+              <a:rPr lang="en-US" sz="1100" dirty="0">
+                <a:latin typeface="Courier"/>
+                <a:cs typeface="Courier"/>
+              </a:rPr>
+              <a:t>browser details </a:t>
+            </a:r>
+            <a:r>
+              <a:rPr lang="en-US" sz="1100" dirty="0" err="1">
+                <a:latin typeface="Courier"/>
+                <a:cs typeface="Courier"/>
+              </a:rPr>
+              <a:t>YourSeq</a:t>
+            </a:r>
+            <a:r>
+              <a:rPr lang="en-US" sz="1100" dirty="0">
+                <a:latin typeface="Courier"/>
+                <a:cs typeface="Courier"/>
+              </a:rPr>
+              <a:t>           68    40   107   107 100.0%    22   -   32435560  32435627     68</a:t>
+            </a:r>
+          </a:p>
+          <a:p>
+            <a:r>
+              <a:rPr lang="en-US" sz="1100" dirty="0">
+                <a:latin typeface="Courier"/>
+                <a:cs typeface="Courier"/>
+              </a:rPr>
+              <a:t>browser details </a:t>
+            </a:r>
+            <a:r>
+              <a:rPr lang="en-US" sz="1100" dirty="0" err="1">
+                <a:latin typeface="Courier"/>
+                <a:cs typeface="Courier"/>
+              </a:rPr>
+              <a:t>YourSeq</a:t>
+            </a:r>
+            <a:r>
+              <a:rPr lang="en-US" sz="1100" dirty="0">
+                <a:latin typeface="Courier"/>
+                <a:cs typeface="Courier"/>
+              </a:rPr>
+              <a:t>           64    40   107   107  97.1%    15   +   82824392  82824459     68</a:t>
+            </a:r>
+          </a:p>
+          <a:p>
+            <a:r>
+              <a:rPr lang="en-US" sz="1100" dirty="0">
+                <a:latin typeface="Courier"/>
+                <a:cs typeface="Courier"/>
+              </a:rPr>
+              <a:t>browser details </a:t>
+            </a:r>
+            <a:r>
+              <a:rPr lang="en-US" sz="1100" dirty="0" err="1">
+                <a:latin typeface="Courier"/>
+                <a:cs typeface="Courier"/>
+              </a:rPr>
+              <a:t>YourSeq</a:t>
+            </a:r>
+            <a:r>
+              <a:rPr lang="en-US" sz="1100" dirty="0">
+                <a:latin typeface="Courier"/>
+                <a:cs typeface="Courier"/>
+              </a:rPr>
+              <a:t>           64    40   107   107  97.1%    15   +   83208735  83208802     68</a:t>
+            </a:r>
+          </a:p>
+          <a:p>
+            <a:r>
+              <a:rPr lang="en-US" sz="1100" dirty="0">
+                <a:latin typeface="Courier"/>
+                <a:cs typeface="Courier"/>
+              </a:rPr>
+              <a:t>browser details </a:t>
+            </a:r>
+            <a:r>
+              <a:rPr lang="en-US" sz="1100" dirty="0" err="1">
+                <a:latin typeface="Courier"/>
+                <a:cs typeface="Courier"/>
+              </a:rPr>
+              <a:t>YourSeq</a:t>
+            </a:r>
+            <a:r>
+              <a:rPr lang="en-US" sz="1100" dirty="0">
+                <a:latin typeface="Courier"/>
+                <a:cs typeface="Courier"/>
+              </a:rPr>
+              <a:t>           62    40   107   107  95.6%     5   -  116052023 116052090     68</a:t>
+            </a:r>
+          </a:p>
+          <a:p>
+            <a:r>
+              <a:rPr lang="en-US" sz="1100" dirty="0">
+                <a:latin typeface="Courier"/>
+                <a:cs typeface="Courier"/>
+              </a:rPr>
+              <a:t>browser details </a:t>
+            </a:r>
+            <a:r>
+              <a:rPr lang="en-US" sz="1100" dirty="0" err="1">
+                <a:latin typeface="Courier"/>
+                <a:cs typeface="Courier"/>
+              </a:rPr>
+              <a:t>YourSeq</a:t>
+            </a:r>
+            <a:r>
+              <a:rPr lang="en-US" sz="1100" dirty="0">
+                <a:latin typeface="Courier"/>
+                <a:cs typeface="Courier"/>
+              </a:rPr>
+              <a:t>           60    40   107   107  94.2%    17   -   29158008  29158075     68</a:t>
+            </a:r>
+          </a:p>
+          <a:p>
+            <a:r>
+              <a:rPr lang="en-US" sz="1100" dirty="0">
+                <a:latin typeface="Courier"/>
+                <a:cs typeface="Courier"/>
+              </a:rPr>
+              <a:t>browser details </a:t>
+            </a:r>
+            <a:r>
+              <a:rPr lang="en-US" sz="1100" dirty="0" err="1">
+                <a:latin typeface="Courier"/>
+                <a:cs typeface="Courier"/>
+              </a:rPr>
+              <a:t>YourSeq</a:t>
+            </a:r>
+            <a:r>
+              <a:rPr lang="en-US" sz="1100" dirty="0">
+                <a:latin typeface="Courier"/>
+                <a:cs typeface="Courier"/>
+              </a:rPr>
+              <a:t>           58    40   107   107  92.7%     1   +  167131923 167131990     68</a:t>
+            </a:r>
+          </a:p>
+          <a:p>
+            <a:r>
+              <a:rPr lang="en-US" sz="1100" dirty="0">
+                <a:latin typeface="Courier"/>
+                <a:cs typeface="Courier"/>
+              </a:rPr>
+              <a:t>browser details </a:t>
+            </a:r>
+            <a:r>
+              <a:rPr lang="en-US" sz="1100" dirty="0" err="1">
+                <a:latin typeface="Courier"/>
+                <a:cs typeface="Courier"/>
+              </a:rPr>
+              <a:t>YourSeq</a:t>
+            </a:r>
+            <a:r>
+              <a:rPr lang="en-US" sz="1100" dirty="0">
+                <a:latin typeface="Courier"/>
+                <a:cs typeface="Courier"/>
+              </a:rPr>
+              <a:t>           57    44   102   107  98.4%     6   -   63257401  63257459     59</a:t>
+            </a:r>
+          </a:p>
+          <a:p>
+            <a:r>
+              <a:rPr lang="en-US" sz="1100" dirty="0">
+                <a:latin typeface="Courier"/>
+                <a:cs typeface="Courier"/>
+              </a:rPr>
+              <a:t>browser details </a:t>
+            </a:r>
+            <a:r>
+              <a:rPr lang="en-US" sz="1100" dirty="0" err="1">
+                <a:latin typeface="Courier"/>
+                <a:cs typeface="Courier"/>
+              </a:rPr>
+              <a:t>YourSeq</a:t>
+            </a:r>
+            <a:r>
+              <a:rPr lang="en-US" sz="1100" dirty="0">
+                <a:latin typeface="Courier"/>
+                <a:cs typeface="Courier"/>
+              </a:rPr>
+              <a:t>           54    44   107   107  92.2%     6   +   50825228  50825291     64</a:t>
+            </a:r>
+          </a:p>
+          <a:p>
+            <a:r>
+              <a:rPr lang="en-US" sz="1100" dirty="0">
+                <a:latin typeface="Courier"/>
+                <a:cs typeface="Courier"/>
+              </a:rPr>
+              <a:t>browser details </a:t>
+            </a:r>
+            <a:r>
+              <a:rPr lang="en-US" sz="1100" dirty="0" err="1">
+                <a:latin typeface="Courier"/>
+                <a:cs typeface="Courier"/>
+              </a:rPr>
+              <a:t>YourSeq</a:t>
+            </a:r>
+            <a:r>
+              <a:rPr lang="en-US" sz="1100" dirty="0">
+                <a:latin typeface="Courier"/>
+                <a:cs typeface="Courier"/>
+              </a:rPr>
+              <a:t>           54    41   106   107  85.8%     3   +  143574838 143574900     63</a:t>
+            </a:r>
+          </a:p>
+          <a:p>
+            <a:r>
+              <a:rPr lang="en-US" sz="1100" dirty="0">
+                <a:latin typeface="Courier"/>
+                <a:cs typeface="Courier"/>
+              </a:rPr>
+              <a:t>browser details </a:t>
+            </a:r>
+            <a:r>
+              <a:rPr lang="en-US" sz="1100" dirty="0" err="1">
+                <a:latin typeface="Courier"/>
+                <a:cs typeface="Courier"/>
+              </a:rPr>
+              <a:t>YourSeq</a:t>
+            </a:r>
+            <a:r>
+              <a:rPr lang="en-US" sz="1100" dirty="0">
+                <a:latin typeface="Courier"/>
+                <a:cs typeface="Courier"/>
+              </a:rPr>
+              <a:t>           37    44    88   107  91.2%     7   -   37156486  37156530     45</a:t>
+            </a:r>
+          </a:p>
+          <a:p>
+            <a:r>
+              <a:rPr lang="en-US" sz="1100" dirty="0">
+                <a:latin typeface="Courier"/>
+                <a:cs typeface="Courier"/>
+              </a:rPr>
+              <a:t>browser details </a:t>
+            </a:r>
+            <a:r>
+              <a:rPr lang="en-US" sz="1100" dirty="0" err="1">
+                <a:latin typeface="Courier"/>
+                <a:cs typeface="Courier"/>
+              </a:rPr>
+              <a:t>YourSeq</a:t>
+            </a:r>
+            <a:r>
+              <a:rPr lang="en-US" sz="1100" dirty="0">
+                <a:latin typeface="Courier"/>
+                <a:cs typeface="Courier"/>
+              </a:rPr>
+              <a:t>           35     1    35   107 100.0%    15   -   82824833  82824867     35</a:t>
+            </a:r>
+          </a:p>
+          <a:p>
+            <a:r>
+              <a:rPr lang="en-US" sz="1100" dirty="0">
+                <a:latin typeface="Courier"/>
+                <a:cs typeface="Courier"/>
+              </a:rPr>
+              <a:t>browser details </a:t>
+            </a:r>
+            <a:r>
+              <a:rPr lang="en-US" sz="1100" dirty="0" err="1">
+                <a:latin typeface="Courier"/>
+                <a:cs typeface="Courier"/>
+              </a:rPr>
+              <a:t>YourSeq</a:t>
+            </a:r>
+            <a:r>
+              <a:rPr lang="en-US" sz="1100" dirty="0">
+                <a:latin typeface="Courier"/>
+                <a:cs typeface="Courier"/>
+              </a:rPr>
+              <a:t>           35     1    35   107 100.0%    15   -   83209176  83209210     35</a:t>
+            </a:r>
+          </a:p>
+          <a:p>
+            <a:r>
+              <a:rPr lang="en-US" sz="1100" dirty="0">
+                <a:latin typeface="Courier"/>
+                <a:cs typeface="Courier"/>
+              </a:rPr>
+              <a:t>browser details </a:t>
+            </a:r>
+            <a:r>
+              <a:rPr lang="en-US" sz="1100" dirty="0" err="1">
+                <a:latin typeface="Courier"/>
+                <a:cs typeface="Courier"/>
+              </a:rPr>
+              <a:t>YourSeq</a:t>
+            </a:r>
+            <a:r>
+              <a:rPr lang="en-US" sz="1100" dirty="0">
+                <a:latin typeface="Courier"/>
+                <a:cs typeface="Courier"/>
+              </a:rPr>
+              <a:t>           34    40    75   107  97.3%    11   +  110976470 110976505     36</a:t>
+            </a:r>
+          </a:p>
+          <a:p>
+            <a:r>
+              <a:rPr lang="en-US" sz="1100" dirty="0">
+                <a:latin typeface="Courier"/>
+                <a:cs typeface="Courier"/>
+              </a:rPr>
+              <a:t>browser details </a:t>
+            </a:r>
+            <a:r>
+              <a:rPr lang="en-US" sz="1100" dirty="0" err="1">
+                <a:latin typeface="Courier"/>
+                <a:cs typeface="Courier"/>
+              </a:rPr>
+              <a:t>YourSeq</a:t>
+            </a:r>
+            <a:r>
+              <a:rPr lang="en-US" sz="1100" dirty="0">
+                <a:latin typeface="Courier"/>
+                <a:cs typeface="Courier"/>
+              </a:rPr>
+              <a:t>           30     8    39   107  96.9%    22   +   32435452  32435483     32</a:t>
+            </a:r>
+          </a:p>
+          <a:p>
+            <a:r>
+              <a:rPr lang="en-US" sz="1100" dirty="0">
+                <a:latin typeface="Courier"/>
+                <a:cs typeface="Courier"/>
+              </a:rPr>
+              <a:t>browser details </a:t>
+            </a:r>
+            <a:r>
+              <a:rPr lang="en-US" sz="1100" dirty="0" err="1">
+                <a:latin typeface="Courier"/>
+                <a:cs typeface="Courier"/>
+              </a:rPr>
+              <a:t>YourSeq</a:t>
+            </a:r>
+            <a:r>
+              <a:rPr lang="en-US" sz="1100" dirty="0">
+                <a:latin typeface="Courier"/>
+                <a:cs typeface="Courier"/>
+              </a:rPr>
+              <a:t>           20     1    20   107 100.0%     5   +  144765194 144765213     20</a:t>
+            </a:r>
+          </a:p>
+        </p:txBody>
+      </p:sp>
+    </p:spTree>
+    <p:extLst>
+      <p:ext uri="{BB962C8B-B14F-4D97-AF65-F5344CB8AC3E}">
+        <p14:creationId xmlns:p14="http://schemas.microsoft.com/office/powerpoint/2010/main" val="1254736974"/>
+      </p:ext>
+    </p:extLst>
+  </p:cSld>
+  <p:clrMapOvr>
+    <a:masterClrMapping/>
+  </p:clrMapOvr>
+</p:sld>
+</file>
+
+<file path=ppt/slides/slide11.xml><?xml version="1.0" encoding="utf-8"?>
+<p:sld xmlns:a="http://schemas.openxmlformats.org/drawingml/2006/main" xmlns:r="http://schemas.openxmlformats.org/officeDocument/2006/relationships" xmlns:p="http://schemas.openxmlformats.org/presentationml/2006/main">
+  <p:cSld>
+    <p:spTree>
+      <p:nvGrpSpPr>
+        <p:cNvPr id="1" name=""/>
+        <p:cNvGrpSpPr/>
+        <p:nvPr/>
+      </p:nvGrpSpPr>
+      <p:grpSpPr>
+        <a:xfrm>
+          <a:off x="0" y="0"/>
+          <a:ext cx="0" cy="0"/>
+          <a:chOff x="0" y="0"/>
+          <a:chExt cx="0" cy="0"/>
+        </a:xfrm>
+      </p:grpSpPr>
+      <p:sp>
+        <p:nvSpPr>
+          <p:cNvPr id="2" name="Title 1"/>
+          <p:cNvSpPr>
+            <a:spLocks noGrp="1"/>
+          </p:cNvSpPr>
+          <p:nvPr>
+            <p:ph type="title"/>
+          </p:nvPr>
+        </p:nvSpPr>
+        <p:spPr/>
+        <p:txBody>
+          <a:bodyPr/>
+          <a:lstStyle/>
+          <a:p>
+            <a:r>
+              <a:rPr lang="en-US" dirty="0" smtClean="0"/>
+              <a:t>Example 3: Artifact fusion induced by a NUMT insertion</a:t>
+            </a:r>
+            <a:endParaRPr lang="en-US" dirty="0"/>
+          </a:p>
+        </p:txBody>
+      </p:sp>
+      <p:sp>
+        <p:nvSpPr>
+          <p:cNvPr id="3" name="Content Placeholder 2"/>
+          <p:cNvSpPr>
+            <a:spLocks noGrp="1"/>
+          </p:cNvSpPr>
+          <p:nvPr>
+            <p:ph idx="1"/>
+          </p:nvPr>
+        </p:nvSpPr>
+        <p:spPr/>
+        <p:txBody>
+          <a:bodyPr/>
+          <a:lstStyle/>
+          <a:p>
+            <a:r>
+              <a:rPr lang="en-US" dirty="0" smtClean="0"/>
+              <a:t>Notice the alignment is to a region annotated as </a:t>
+            </a:r>
+            <a:r>
+              <a:rPr lang="en-US" b="1" i="1" dirty="0" smtClean="0"/>
+              <a:t>NUMT</a:t>
+            </a:r>
+            <a:endParaRPr lang="en-US" b="1" i="1" dirty="0"/>
+          </a:p>
+        </p:txBody>
+      </p:sp>
+      <p:pic>
+        <p:nvPicPr>
+          <p:cNvPr id="4" name="Picture 3"/>
+          <p:cNvPicPr>
+            <a:picLocks noChangeAspect="1"/>
+          </p:cNvPicPr>
+          <p:nvPr/>
+        </p:nvPicPr>
+        <p:blipFill>
+          <a:blip r:embed="rId2"/>
+          <a:stretch>
+            <a:fillRect/>
+          </a:stretch>
+        </p:blipFill>
+        <p:spPr>
+          <a:xfrm>
+            <a:off x="0" y="2708920"/>
+            <a:ext cx="9144000" cy="3143250"/>
+          </a:xfrm>
+          <a:prstGeom prst="rect">
+            <a:avLst/>
+          </a:prstGeom>
+        </p:spPr>
+      </p:pic>
+    </p:spTree>
+    <p:extLst>
+      <p:ext uri="{BB962C8B-B14F-4D97-AF65-F5344CB8AC3E}">
+        <p14:creationId xmlns:p14="http://schemas.microsoft.com/office/powerpoint/2010/main" val="3683222629"/>
+      </p:ext>
+    </p:extLst>
+  </p:cSld>
+  <p:clrMapOvr>
+    <a:masterClrMapping/>
+  </p:clrMapOvr>
+</p:sld>
+</file>
+
+<file path=ppt/slides/slide12.xml><?xml version="1.0" encoding="utf-8"?>
+<p:sld xmlns:a="http://schemas.openxmlformats.org/drawingml/2006/main" xmlns:r="http://schemas.openxmlformats.org/officeDocument/2006/relationships" xmlns:p="http://schemas.openxmlformats.org/presentationml/2006/main">
+  <p:cSld>
+    <p:spTree>
+      <p:nvGrpSpPr>
+        <p:cNvPr id="1" name=""/>
+        <p:cNvGrpSpPr/>
+        <p:nvPr/>
+      </p:nvGrpSpPr>
+      <p:grpSpPr>
+        <a:xfrm>
+          <a:off x="0" y="0"/>
+          <a:ext cx="0" cy="0"/>
+          <a:chOff x="0" y="0"/>
+          <a:chExt cx="0" cy="0"/>
+        </a:xfrm>
+      </p:grpSpPr>
+      <p:sp>
+        <p:nvSpPr>
+          <p:cNvPr id="2" name="Title 1"/>
+          <p:cNvSpPr>
+            <a:spLocks noGrp="1"/>
+          </p:cNvSpPr>
+          <p:nvPr>
+            <p:ph type="title"/>
+          </p:nvPr>
+        </p:nvSpPr>
+        <p:spPr/>
+        <p:txBody>
+          <a:bodyPr/>
+          <a:lstStyle/>
+          <a:p>
+            <a:r>
+              <a:rPr lang="en-US" dirty="0" smtClean="0"/>
+              <a:t>Example 4: Read-through chimera</a:t>
+            </a:r>
+            <a:endParaRPr lang="en-US" dirty="0"/>
+          </a:p>
+        </p:txBody>
+      </p:sp>
+      <p:sp>
+        <p:nvSpPr>
+          <p:cNvPr id="3" name="Content Placeholder 2"/>
+          <p:cNvSpPr>
+            <a:spLocks noGrp="1"/>
+          </p:cNvSpPr>
+          <p:nvPr>
+            <p:ph idx="1"/>
+          </p:nvPr>
+        </p:nvSpPr>
+        <p:spPr/>
+        <p:txBody>
+          <a:bodyPr/>
+          <a:lstStyle/>
+          <a:p>
+            <a:r>
+              <a:rPr lang="en-US" dirty="0" smtClean="0"/>
+              <a:t>Full alignment to a contiguous section of the genome</a:t>
+            </a:r>
+            <a:endParaRPr lang="en-US" dirty="0"/>
+          </a:p>
+        </p:txBody>
+      </p:sp>
+      <p:pic>
+        <p:nvPicPr>
+          <p:cNvPr id="4" name="Picture 3"/>
+          <p:cNvPicPr>
+            <a:picLocks noChangeAspect="1"/>
+          </p:cNvPicPr>
+          <p:nvPr/>
+        </p:nvPicPr>
+        <p:blipFill rotWithShape="1">
+          <a:blip r:embed="rId2"/>
+          <a:srcRect b="17179"/>
+          <a:stretch/>
+        </p:blipFill>
+        <p:spPr>
+          <a:xfrm>
+            <a:off x="0" y="2492896"/>
+            <a:ext cx="9144000" cy="3843406"/>
+          </a:xfrm>
+          <a:prstGeom prst="rect">
+            <a:avLst/>
+          </a:prstGeom>
+        </p:spPr>
+      </p:pic>
+    </p:spTree>
+    <p:extLst>
+      <p:ext uri="{BB962C8B-B14F-4D97-AF65-F5344CB8AC3E}">
+        <p14:creationId xmlns:p14="http://schemas.microsoft.com/office/powerpoint/2010/main" val="649728576"/>
+      </p:ext>
+    </p:extLst>
+  </p:cSld>
+  <p:clrMapOvr>
+    <a:masterClrMapping/>
+  </p:clrMapOvr>
+</p:sld>
+</file>
+
+<file path=ppt/slides/slide13.xml><?xml version="1.0" encoding="utf-8"?>
+<p:sld xmlns:a="http://schemas.openxmlformats.org/drawingml/2006/main" xmlns:r="http://schemas.openxmlformats.org/officeDocument/2006/relationships" xmlns:p="http://schemas.openxmlformats.org/presentationml/2006/main">
+  <p:cSld>
+    <p:spTree>
+      <p:nvGrpSpPr>
+        <p:cNvPr id="1" name=""/>
+        <p:cNvGrpSpPr/>
+        <p:nvPr/>
+      </p:nvGrpSpPr>
+      <p:grpSpPr>
+        <a:xfrm>
+          <a:off x="0" y="0"/>
+          <a:ext cx="0" cy="0"/>
+          <a:chOff x="0" y="0"/>
+          <a:chExt cx="0" cy="0"/>
+        </a:xfrm>
+      </p:grpSpPr>
+      <p:sp>
+        <p:nvSpPr>
+          <p:cNvPr id="2" name="Title 1"/>
+          <p:cNvSpPr>
+            <a:spLocks noGrp="1"/>
+          </p:cNvSpPr>
+          <p:nvPr>
+            <p:ph type="title"/>
+          </p:nvPr>
+        </p:nvSpPr>
+        <p:spPr/>
+        <p:txBody>
+          <a:bodyPr/>
+          <a:lstStyle/>
+          <a:p>
+            <a:r>
+              <a:rPr lang="en-US" dirty="0" smtClean="0"/>
+              <a:t>Example 5: Rearrangement inducing spurious </a:t>
+            </a:r>
+            <a:r>
+              <a:rPr lang="en-US" dirty="0" err="1" smtClean="0"/>
+              <a:t>intronic</a:t>
+            </a:r>
+            <a:r>
+              <a:rPr lang="en-US" dirty="0" smtClean="0"/>
+              <a:t> transcription</a:t>
+            </a:r>
+            <a:endParaRPr lang="en-US" dirty="0"/>
+          </a:p>
+        </p:txBody>
+      </p:sp>
+      <p:sp>
+        <p:nvSpPr>
+          <p:cNvPr id="3" name="Content Placeholder 2"/>
+          <p:cNvSpPr>
+            <a:spLocks noGrp="1"/>
+          </p:cNvSpPr>
+          <p:nvPr>
+            <p:ph idx="1"/>
+          </p:nvPr>
+        </p:nvSpPr>
+        <p:spPr/>
+        <p:txBody>
+          <a:bodyPr/>
+          <a:lstStyle/>
+          <a:p>
+            <a:r>
+              <a:rPr lang="en-US" dirty="0" smtClean="0"/>
+              <a:t>Alignments to </a:t>
+            </a:r>
+            <a:r>
+              <a:rPr lang="en-US" dirty="0" err="1" smtClean="0"/>
+              <a:t>intronic</a:t>
+            </a:r>
+            <a:r>
+              <a:rPr lang="en-US" dirty="0" smtClean="0"/>
+              <a:t> region of SLC6A17</a:t>
+            </a:r>
+            <a:endParaRPr lang="en-US" dirty="0"/>
+          </a:p>
+        </p:txBody>
+      </p:sp>
+      <p:pic>
+        <p:nvPicPr>
+          <p:cNvPr id="4" name="Picture 3"/>
+          <p:cNvPicPr>
+            <a:picLocks noChangeAspect="1"/>
+          </p:cNvPicPr>
+          <p:nvPr/>
+        </p:nvPicPr>
+        <p:blipFill>
+          <a:blip r:embed="rId2"/>
+          <a:stretch>
+            <a:fillRect/>
+          </a:stretch>
+        </p:blipFill>
+        <p:spPr>
+          <a:xfrm>
+            <a:off x="0" y="2564904"/>
+            <a:ext cx="9144000" cy="3383280"/>
+          </a:xfrm>
+          <a:prstGeom prst="rect">
+            <a:avLst/>
+          </a:prstGeom>
+        </p:spPr>
+      </p:pic>
+    </p:spTree>
+    <p:extLst>
+      <p:ext uri="{BB962C8B-B14F-4D97-AF65-F5344CB8AC3E}">
+        <p14:creationId xmlns:p14="http://schemas.microsoft.com/office/powerpoint/2010/main" val="115239032"/>
+      </p:ext>
+    </p:extLst>
+  </p:cSld>
+  <p:clrMapOvr>
+    <a:masterClrMapping/>
+  </p:clrMapOvr>
+</p:sld>
+</file>
+
+<file path=ppt/slides/slide14.xml><?xml version="1.0" encoding="utf-8"?>
+<p:sld xmlns:a="http://schemas.openxmlformats.org/drawingml/2006/main" xmlns:r="http://schemas.openxmlformats.org/officeDocument/2006/relationships" xmlns:p="http://schemas.openxmlformats.org/presentationml/2006/main">
+  <p:cSld>
+    <p:spTree>
+      <p:nvGrpSpPr>
+        <p:cNvPr id="1" name=""/>
+        <p:cNvGrpSpPr/>
+        <p:nvPr/>
+      </p:nvGrpSpPr>
+      <p:grpSpPr>
+        <a:xfrm>
+          <a:off x="0" y="0"/>
+          <a:ext cx="0" cy="0"/>
+          <a:chOff x="0" y="0"/>
+          <a:chExt cx="0" cy="0"/>
+        </a:xfrm>
+      </p:grpSpPr>
+      <p:sp>
+        <p:nvSpPr>
+          <p:cNvPr id="2" name="Title 1"/>
+          <p:cNvSpPr>
+            <a:spLocks noGrp="1"/>
+          </p:cNvSpPr>
+          <p:nvPr>
+            <p:ph type="title"/>
+          </p:nvPr>
+        </p:nvSpPr>
+        <p:spPr/>
+        <p:txBody>
+          <a:bodyPr/>
+          <a:lstStyle/>
+          <a:p>
+            <a:r>
+              <a:rPr lang="en-US" dirty="0"/>
+              <a:t>Example 5: Rearrangement inducing spurious </a:t>
+            </a:r>
+            <a:r>
+              <a:rPr lang="en-US" dirty="0" err="1"/>
+              <a:t>intronic</a:t>
+            </a:r>
+            <a:r>
+              <a:rPr lang="en-US" dirty="0"/>
+              <a:t> transcription</a:t>
+            </a:r>
+          </a:p>
+        </p:txBody>
+      </p:sp>
+      <p:sp>
+        <p:nvSpPr>
+          <p:cNvPr id="3" name="Content Placeholder 2"/>
+          <p:cNvSpPr>
+            <a:spLocks noGrp="1"/>
+          </p:cNvSpPr>
+          <p:nvPr>
+            <p:ph idx="1"/>
+          </p:nvPr>
+        </p:nvSpPr>
+        <p:spPr/>
+        <p:txBody>
+          <a:bodyPr/>
+          <a:lstStyle/>
+          <a:p>
+            <a:r>
+              <a:rPr lang="en-US" dirty="0" smtClean="0"/>
+              <a:t>Alignment to an exon of CA2, with the fusion boundary at the boundary of an exon</a:t>
+            </a:r>
+            <a:endParaRPr lang="en-US" dirty="0"/>
+          </a:p>
+        </p:txBody>
+      </p:sp>
+      <p:pic>
+        <p:nvPicPr>
+          <p:cNvPr id="4" name="Picture 3"/>
+          <p:cNvPicPr>
+            <a:picLocks noChangeAspect="1"/>
+          </p:cNvPicPr>
+          <p:nvPr/>
+        </p:nvPicPr>
+        <p:blipFill rotWithShape="1">
+          <a:blip r:embed="rId2"/>
+          <a:srcRect b="13950"/>
+          <a:stretch/>
+        </p:blipFill>
+        <p:spPr>
+          <a:xfrm>
+            <a:off x="0" y="2780928"/>
+            <a:ext cx="9144000" cy="3501421"/>
+          </a:xfrm>
+          <a:prstGeom prst="rect">
+            <a:avLst/>
+          </a:prstGeom>
+        </p:spPr>
+      </p:pic>
+    </p:spTree>
+    <p:extLst>
+      <p:ext uri="{BB962C8B-B14F-4D97-AF65-F5344CB8AC3E}">
+        <p14:creationId xmlns:p14="http://schemas.microsoft.com/office/powerpoint/2010/main" val="2524638764"/>
+      </p:ext>
+    </p:extLst>
+  </p:cSld>
+  <p:clrMapOvr>
+    <a:masterClrMapping/>
+  </p:clrMapOvr>
+</p:sld>
+</file>
+
 <file path=ppt/slides/slide2.xml><?xml version="1.0" encoding="utf-8"?>
 <p:sld xmlns:a="http://schemas.openxmlformats.org/drawingml/2006/main" xmlns:r="http://schemas.openxmlformats.org/officeDocument/2006/relationships" xmlns:p="http://schemas.openxmlformats.org/presentationml/2006/main">
   <p:cSld>
@@ -5839,6 +6737,387 @@
     <p:extLst>
       <p:ext uri="{BB962C8B-B14F-4D97-AF65-F5344CB8AC3E}">
         <p14:creationId xmlns:p14="http://schemas.microsoft.com/office/powerpoint/2010/main" val="523328355"/>
+      </p:ext>
+    </p:extLst>
+  </p:cSld>
+  <p:clrMapOvr>
+    <a:masterClrMapping/>
+  </p:clrMapOvr>
+</p:sld>
+</file>
+
+<file path=ppt/slides/slide9.xml><?xml version="1.0" encoding="utf-8"?>
+<p:sld xmlns:a="http://schemas.openxmlformats.org/drawingml/2006/main" xmlns:r="http://schemas.openxmlformats.org/officeDocument/2006/relationships" xmlns:p="http://schemas.openxmlformats.org/presentationml/2006/main">
+  <p:cSld>
+    <p:spTree>
+      <p:nvGrpSpPr>
+        <p:cNvPr id="1" name=""/>
+        <p:cNvGrpSpPr/>
+        <p:nvPr/>
+      </p:nvGrpSpPr>
+      <p:grpSpPr>
+        <a:xfrm>
+          <a:off x="0" y="0"/>
+          <a:ext cx="0" cy="0"/>
+          <a:chOff x="0" y="0"/>
+          <a:chExt cx="0" cy="0"/>
+        </a:xfrm>
+      </p:grpSpPr>
+      <p:sp>
+        <p:nvSpPr>
+          <p:cNvPr id="2" name="Title 1"/>
+          <p:cNvSpPr>
+            <a:spLocks noGrp="1"/>
+          </p:cNvSpPr>
+          <p:nvPr>
+            <p:ph type="title"/>
+          </p:nvPr>
+        </p:nvSpPr>
+        <p:spPr/>
+        <p:txBody>
+          <a:bodyPr/>
+          <a:lstStyle/>
+          <a:p>
+            <a:r>
+              <a:rPr lang="en-US" dirty="0" smtClean="0"/>
+              <a:t>Example 1: Artifact fusion induced by homology</a:t>
+            </a:r>
+            <a:endParaRPr lang="en-US" dirty="0"/>
+          </a:p>
+        </p:txBody>
+      </p:sp>
+      <p:sp>
+        <p:nvSpPr>
+          <p:cNvPr id="3" name="Content Placeholder 2"/>
+          <p:cNvSpPr>
+            <a:spLocks noGrp="1"/>
+          </p:cNvSpPr>
+          <p:nvPr>
+            <p:ph idx="1"/>
+          </p:nvPr>
+        </p:nvSpPr>
+        <p:spPr/>
+        <p:txBody>
+          <a:bodyPr/>
+          <a:lstStyle/>
+          <a:p>
+            <a:r>
+              <a:rPr lang="en-US" dirty="0"/>
+              <a:t>Notice </a:t>
+            </a:r>
+            <a:r>
+              <a:rPr lang="en-US" dirty="0" smtClean="0"/>
+              <a:t>the best </a:t>
+            </a:r>
+            <a:r>
+              <a:rPr lang="en-US" dirty="0"/>
+              <a:t>matches overlap in the query sequence</a:t>
+            </a:r>
+            <a:endParaRPr lang="en-US" dirty="0" smtClean="0"/>
+          </a:p>
+          <a:p>
+            <a:endParaRPr lang="en-US" dirty="0"/>
+          </a:p>
+        </p:txBody>
+      </p:sp>
+      <p:sp>
+        <p:nvSpPr>
+          <p:cNvPr id="5" name="TextBox 4"/>
+          <p:cNvSpPr txBox="1"/>
+          <p:nvPr/>
+        </p:nvSpPr>
+        <p:spPr>
+          <a:xfrm>
+            <a:off x="179512" y="2996952"/>
+            <a:ext cx="8928992" cy="2092881"/>
+          </a:xfrm>
+          <a:prstGeom prst="rect">
+            <a:avLst/>
+          </a:prstGeom>
+          <a:noFill/>
+        </p:spPr>
+        <p:txBody>
+          <a:bodyPr wrap="square" rtlCol="0">
+            <a:spAutoFit/>
+          </a:bodyPr>
+          <a:lstStyle/>
+          <a:p>
+            <a:r>
+              <a:rPr lang="en-US" sz="1000" dirty="0">
+                <a:latin typeface="Courier"/>
+                <a:cs typeface="Courier"/>
+              </a:rPr>
+              <a:t> ACTIONS      QUERY           SCORE START  END QSIZE IDENTITY CHRO STRAND  START    END      SPAN</a:t>
+            </a:r>
+          </a:p>
+          <a:p>
+            <a:r>
+              <a:rPr lang="en-US" sz="1000" dirty="0">
+                <a:latin typeface="Courier"/>
+                <a:cs typeface="Courier"/>
+              </a:rPr>
+              <a:t>---------------------------------------------------------------------------------------------------</a:t>
+            </a:r>
+          </a:p>
+          <a:p>
+            <a:r>
+              <a:rPr lang="en-US" sz="1000" dirty="0">
+                <a:latin typeface="Courier"/>
+                <a:cs typeface="Courier"/>
+              </a:rPr>
+              <a:t>browser details </a:t>
+            </a:r>
+            <a:r>
+              <a:rPr lang="en-US" sz="1000" dirty="0" err="1">
+                <a:latin typeface="Courier"/>
+                <a:cs typeface="Courier"/>
+              </a:rPr>
+              <a:t>YourSeq</a:t>
+            </a:r>
+            <a:r>
+              <a:rPr lang="en-US" sz="1000" dirty="0">
+                <a:latin typeface="Courier"/>
+                <a:cs typeface="Courier"/>
+              </a:rPr>
+              <a:t>          132     1   141   171  97.2%    17   +   62499145  62499374    230</a:t>
+            </a:r>
+          </a:p>
+          <a:p>
+            <a:r>
+              <a:rPr lang="en-US" sz="1000" dirty="0">
+                <a:latin typeface="Courier"/>
+                <a:cs typeface="Courier"/>
+              </a:rPr>
+              <a:t>browser details </a:t>
+            </a:r>
+            <a:r>
+              <a:rPr lang="en-US" sz="1000" dirty="0" err="1">
+                <a:latin typeface="Courier"/>
+                <a:cs typeface="Courier"/>
+              </a:rPr>
+              <a:t>YourSeq</a:t>
+            </a:r>
+            <a:r>
+              <a:rPr lang="en-US" sz="1000" dirty="0">
+                <a:latin typeface="Courier"/>
+                <a:cs typeface="Courier"/>
+              </a:rPr>
+              <a:t>           96     2   154   171  88.8%    22   +   38890737  38890976    240</a:t>
+            </a:r>
+          </a:p>
+          <a:p>
+            <a:r>
+              <a:rPr lang="en-US" sz="1000" dirty="0">
+                <a:latin typeface="Courier"/>
+                <a:cs typeface="Courier"/>
+              </a:rPr>
+              <a:t>browser details </a:t>
+            </a:r>
+            <a:r>
+              <a:rPr lang="en-US" sz="1000" dirty="0" err="1">
+                <a:latin typeface="Courier"/>
+                <a:cs typeface="Courier"/>
+              </a:rPr>
+              <a:t>YourSeq</a:t>
+            </a:r>
+            <a:r>
+              <a:rPr lang="en-US" sz="1000" dirty="0">
+                <a:latin typeface="Courier"/>
+                <a:cs typeface="Courier"/>
+              </a:rPr>
+              <a:t>           67   104   171   171 100.0%     Y   -   15027123  15027592    470</a:t>
+            </a:r>
+          </a:p>
+          <a:p>
+            <a:r>
+              <a:rPr lang="en-US" sz="1000" dirty="0">
+                <a:latin typeface="Courier"/>
+                <a:cs typeface="Courier"/>
+              </a:rPr>
+              <a:t>browser details </a:t>
+            </a:r>
+            <a:r>
+              <a:rPr lang="en-US" sz="1000" dirty="0" err="1">
+                <a:latin typeface="Courier"/>
+                <a:cs typeface="Courier"/>
+              </a:rPr>
+              <a:t>YourSeq</a:t>
+            </a:r>
+            <a:r>
+              <a:rPr lang="en-US" sz="1000" dirty="0">
+                <a:latin typeface="Courier"/>
+                <a:cs typeface="Courier"/>
+              </a:rPr>
+              <a:t>           62   108   171   171  98.5%     X   -   73350813  73350876     64</a:t>
+            </a:r>
+          </a:p>
+          <a:p>
+            <a:r>
+              <a:rPr lang="en-US" sz="1000" dirty="0">
+                <a:latin typeface="Courier"/>
+                <a:cs typeface="Courier"/>
+              </a:rPr>
+              <a:t>browser details </a:t>
+            </a:r>
+            <a:r>
+              <a:rPr lang="en-US" sz="1000" dirty="0" err="1">
+                <a:latin typeface="Courier"/>
+                <a:cs typeface="Courier"/>
+              </a:rPr>
+              <a:t>YourSeq</a:t>
+            </a:r>
+            <a:r>
+              <a:rPr lang="en-US" sz="1000" dirty="0">
+                <a:latin typeface="Courier"/>
+                <a:cs typeface="Courier"/>
+              </a:rPr>
+              <a:t>           40    88   141   171  87.1%     6   -   74118977  74119030     54</a:t>
+            </a:r>
+          </a:p>
+          <a:p>
+            <a:r>
+              <a:rPr lang="en-US" sz="1000" dirty="0">
+                <a:latin typeface="Courier"/>
+                <a:cs typeface="Courier"/>
+              </a:rPr>
+              <a:t>browser details </a:t>
+            </a:r>
+            <a:r>
+              <a:rPr lang="en-US" sz="1000" dirty="0" err="1">
+                <a:latin typeface="Courier"/>
+                <a:cs typeface="Courier"/>
+              </a:rPr>
+              <a:t>YourSeq</a:t>
+            </a:r>
+            <a:r>
+              <a:rPr lang="en-US" sz="1000" dirty="0">
+                <a:latin typeface="Courier"/>
+                <a:cs typeface="Courier"/>
+              </a:rPr>
+              <a:t>           32    84   116   171 100.0%    22   -   49607171  49613016   5846</a:t>
+            </a:r>
+          </a:p>
+          <a:p>
+            <a:r>
+              <a:rPr lang="en-US" sz="1000" dirty="0">
+                <a:latin typeface="Courier"/>
+                <a:cs typeface="Courier"/>
+              </a:rPr>
+              <a:t>browser details </a:t>
+            </a:r>
+            <a:r>
+              <a:rPr lang="en-US" sz="1000" dirty="0" err="1">
+                <a:latin typeface="Courier"/>
+                <a:cs typeface="Courier"/>
+              </a:rPr>
+              <a:t>YourSeq</a:t>
+            </a:r>
+            <a:r>
+              <a:rPr lang="en-US" sz="1000" dirty="0">
+                <a:latin typeface="Courier"/>
+                <a:cs typeface="Courier"/>
+              </a:rPr>
+              <a:t>           22    92   114   171 100.0%     4   +   72709432  72709456     25</a:t>
+            </a:r>
+          </a:p>
+          <a:p>
+            <a:r>
+              <a:rPr lang="en-US" sz="1000" dirty="0">
+                <a:latin typeface="Courier"/>
+                <a:cs typeface="Courier"/>
+              </a:rPr>
+              <a:t>browser details </a:t>
+            </a:r>
+            <a:r>
+              <a:rPr lang="en-US" sz="1000" dirty="0" err="1">
+                <a:latin typeface="Courier"/>
+                <a:cs typeface="Courier"/>
+              </a:rPr>
+              <a:t>YourSeq</a:t>
+            </a:r>
+            <a:r>
+              <a:rPr lang="en-US" sz="1000" dirty="0">
+                <a:latin typeface="Courier"/>
+                <a:cs typeface="Courier"/>
+              </a:rPr>
+              <a:t>           21    95   116   171 100.0%     6   +  131014581 131014603     23</a:t>
+            </a:r>
+          </a:p>
+          <a:p>
+            <a:r>
+              <a:rPr lang="en-US" sz="1000" dirty="0">
+                <a:latin typeface="Courier"/>
+                <a:cs typeface="Courier"/>
+              </a:rPr>
+              <a:t>browser details </a:t>
+            </a:r>
+            <a:r>
+              <a:rPr lang="en-US" sz="1000" dirty="0" err="1">
+                <a:latin typeface="Courier"/>
+                <a:cs typeface="Courier"/>
+              </a:rPr>
+              <a:t>YourSeq</a:t>
+            </a:r>
+            <a:r>
+              <a:rPr lang="en-US" sz="1000" dirty="0">
+                <a:latin typeface="Courier"/>
+                <a:cs typeface="Courier"/>
+              </a:rPr>
+              <a:t>           20    93   112   171 100.0%     2   -  157047083 157047102     20</a:t>
+            </a:r>
+          </a:p>
+          <a:p>
+            <a:r>
+              <a:rPr lang="en-US" sz="1000" dirty="0">
+                <a:latin typeface="Courier"/>
+                <a:cs typeface="Courier"/>
+              </a:rPr>
+              <a:t>browser details </a:t>
+            </a:r>
+            <a:r>
+              <a:rPr lang="en-US" sz="1000" dirty="0" err="1">
+                <a:latin typeface="Courier"/>
+                <a:cs typeface="Courier"/>
+              </a:rPr>
+              <a:t>YourSeq</a:t>
+            </a:r>
+            <a:r>
+              <a:rPr lang="en-US" sz="1000" dirty="0">
+                <a:latin typeface="Courier"/>
+                <a:cs typeface="Courier"/>
+              </a:rPr>
+              <a:t>           20   101   122   171  95.5%    14   -   29461851  29461872     22</a:t>
+            </a:r>
+          </a:p>
+          <a:p>
+            <a:r>
+              <a:rPr lang="en-US" sz="1000" dirty="0">
+                <a:latin typeface="Courier"/>
+                <a:cs typeface="Courier"/>
+              </a:rPr>
+              <a:t>browser details </a:t>
+            </a:r>
+            <a:r>
+              <a:rPr lang="en-US" sz="1000" dirty="0" err="1">
+                <a:latin typeface="Courier"/>
+                <a:cs typeface="Courier"/>
+              </a:rPr>
+              <a:t>YourSeq</a:t>
+            </a:r>
+            <a:r>
+              <a:rPr lang="en-US" sz="1000" dirty="0">
+                <a:latin typeface="Courier"/>
+                <a:cs typeface="Courier"/>
+              </a:rPr>
+              <a:t>           20     1    20   171 100.0%     3   +  175393751 175393770     20</a:t>
+            </a:r>
+          </a:p>
+        </p:txBody>
+      </p:sp>
+    </p:spTree>
+    <p:extLst>
+      <p:ext uri="{BB962C8B-B14F-4D97-AF65-F5344CB8AC3E}">
+        <p14:creationId xmlns:p14="http://schemas.microsoft.com/office/powerpoint/2010/main" val="2818107218"/>
       </p:ext>
     </p:extLst>
   </p:cSld>

--- a/gene_fusions/content/CBW_BiCG_GeneFusionsLab_2014.pptx
+++ b/gene_fusions/content/CBW_BiCG_GeneFusionsLab_2014.pptx
@@ -5,10 +5,10 @@
     <p:sldMasterId id="2147483648" r:id="rId1"/>
   </p:sldMasterIdLst>
   <p:notesMasterIdLst>
-    <p:notesMasterId r:id="rId16"/>
+    <p:notesMasterId r:id="rId18"/>
   </p:notesMasterIdLst>
   <p:handoutMasterIdLst>
-    <p:handoutMasterId r:id="rId17"/>
+    <p:handoutMasterId r:id="rId19"/>
   </p:handoutMasterIdLst>
   <p:sldIdLst>
     <p:sldId id="341" r:id="rId2"/>
@@ -25,6 +25,8 @@
     <p:sldId id="522" r:id="rId13"/>
     <p:sldId id="523" r:id="rId14"/>
     <p:sldId id="524" r:id="rId15"/>
+    <p:sldId id="525" r:id="rId16"/>
+    <p:sldId id="526" r:id="rId17"/>
   </p:sldIdLst>
   <p:sldSz cx="9144000" cy="6858000" type="screen4x3"/>
   <p:notesSz cx="7315200" cy="9601200"/>
@@ -172,6 +174,8 @@
             <p14:sldId id="522"/>
             <p14:sldId id="523"/>
             <p14:sldId id="524"/>
+            <p14:sldId id="525"/>
+            <p14:sldId id="526"/>
           </p14:sldIdLst>
         </p14:section>
       </p14:sectionLst>
@@ -4776,6 +4780,204 @@
 </p:sld>
 </file>
 
+<file path=ppt/slides/slide15.xml><?xml version="1.0" encoding="utf-8"?>
+<p:sld xmlns:a="http://schemas.openxmlformats.org/drawingml/2006/main" xmlns:r="http://schemas.openxmlformats.org/officeDocument/2006/relationships" xmlns:p="http://schemas.openxmlformats.org/presentationml/2006/main">
+  <p:cSld>
+    <p:spTree>
+      <p:nvGrpSpPr>
+        <p:cNvPr id="1" name=""/>
+        <p:cNvGrpSpPr/>
+        <p:nvPr/>
+      </p:nvGrpSpPr>
+      <p:grpSpPr>
+        <a:xfrm>
+          <a:off x="0" y="0"/>
+          <a:ext cx="0" cy="0"/>
+          <a:chOff x="0" y="0"/>
+          <a:chExt cx="0" cy="0"/>
+        </a:xfrm>
+      </p:grpSpPr>
+      <p:sp>
+        <p:nvSpPr>
+          <p:cNvPr id="2" name="Title 1"/>
+          <p:cNvSpPr>
+            <a:spLocks noGrp="1"/>
+          </p:cNvSpPr>
+          <p:nvPr>
+            <p:ph type="title"/>
+          </p:nvPr>
+        </p:nvSpPr>
+        <p:spPr/>
+        <p:txBody>
+          <a:bodyPr/>
+          <a:lstStyle/>
+          <a:p>
+            <a:r>
+              <a:rPr lang="en-US" dirty="0" smtClean="0"/>
+              <a:t>Example 6: TMPRSS2-ERG</a:t>
+            </a:r>
+            <a:endParaRPr lang="en-US" dirty="0"/>
+          </a:p>
+        </p:txBody>
+      </p:sp>
+      <p:sp>
+        <p:nvSpPr>
+          <p:cNvPr id="3" name="Content Placeholder 2"/>
+          <p:cNvSpPr>
+            <a:spLocks noGrp="1"/>
+          </p:cNvSpPr>
+          <p:nvPr>
+            <p:ph idx="1"/>
+          </p:nvPr>
+        </p:nvSpPr>
+        <p:spPr/>
+        <p:txBody>
+          <a:bodyPr/>
+          <a:lstStyle/>
+          <a:p>
+            <a:r>
+              <a:rPr lang="en-US" dirty="0" smtClean="0"/>
+              <a:t>Notice some predictions are spliced and there are many variants</a:t>
+            </a:r>
+            <a:endParaRPr lang="en-US" dirty="0"/>
+          </a:p>
+        </p:txBody>
+      </p:sp>
+      <p:pic>
+        <p:nvPicPr>
+          <p:cNvPr id="4" name="Picture 3"/>
+          <p:cNvPicPr>
+            <a:picLocks noChangeAspect="1"/>
+          </p:cNvPicPr>
+          <p:nvPr/>
+        </p:nvPicPr>
+        <p:blipFill rotWithShape="1">
+          <a:blip r:embed="rId2"/>
+          <a:srcRect b="30620"/>
+          <a:stretch/>
+        </p:blipFill>
+        <p:spPr>
+          <a:xfrm>
+            <a:off x="32993" y="2636912"/>
+            <a:ext cx="9144000" cy="3774722"/>
+          </a:xfrm>
+          <a:prstGeom prst="rect">
+            <a:avLst/>
+          </a:prstGeom>
+        </p:spPr>
+      </p:pic>
+    </p:spTree>
+    <p:extLst>
+      <p:ext uri="{BB962C8B-B14F-4D97-AF65-F5344CB8AC3E}">
+        <p14:creationId xmlns:p14="http://schemas.microsoft.com/office/powerpoint/2010/main" val="2283625857"/>
+      </p:ext>
+    </p:extLst>
+  </p:cSld>
+  <p:clrMapOvr>
+    <a:masterClrMapping/>
+  </p:clrMapOvr>
+</p:sld>
+</file>
+
+<file path=ppt/slides/slide16.xml><?xml version="1.0" encoding="utf-8"?>
+<p:sld xmlns:a="http://schemas.openxmlformats.org/drawingml/2006/main" xmlns:r="http://schemas.openxmlformats.org/officeDocument/2006/relationships" xmlns:p="http://schemas.openxmlformats.org/presentationml/2006/main">
+  <p:cSld>
+    <p:spTree>
+      <p:nvGrpSpPr>
+        <p:cNvPr id="1" name=""/>
+        <p:cNvGrpSpPr/>
+        <p:nvPr/>
+      </p:nvGrpSpPr>
+      <p:grpSpPr>
+        <a:xfrm>
+          <a:off x="0" y="0"/>
+          <a:ext cx="0" cy="0"/>
+          <a:chOff x="0" y="0"/>
+          <a:chExt cx="0" cy="0"/>
+        </a:xfrm>
+      </p:grpSpPr>
+      <p:sp>
+        <p:nvSpPr>
+          <p:cNvPr id="2" name="Title 1"/>
+          <p:cNvSpPr>
+            <a:spLocks noGrp="1"/>
+          </p:cNvSpPr>
+          <p:nvPr>
+            <p:ph type="title"/>
+          </p:nvPr>
+        </p:nvSpPr>
+        <p:spPr/>
+        <p:txBody>
+          <a:bodyPr/>
+          <a:lstStyle/>
+          <a:p>
+            <a:r>
+              <a:rPr lang="en-US" dirty="0" smtClean="0"/>
+              <a:t>Example 6: TMPRSS2-ERG</a:t>
+            </a:r>
+            <a:endParaRPr lang="en-US" dirty="0"/>
+          </a:p>
+        </p:txBody>
+      </p:sp>
+      <p:sp>
+        <p:nvSpPr>
+          <p:cNvPr id="3" name="Content Placeholder 2"/>
+          <p:cNvSpPr>
+            <a:spLocks noGrp="1"/>
+          </p:cNvSpPr>
+          <p:nvPr>
+            <p:ph idx="1"/>
+          </p:nvPr>
+        </p:nvSpPr>
+        <p:spPr/>
+        <p:txBody>
+          <a:bodyPr/>
+          <a:lstStyle/>
+          <a:p>
+            <a:r>
+              <a:rPr lang="en-US" dirty="0" smtClean="0"/>
+              <a:t>Notice some predictions are spliced and there are many variants</a:t>
+            </a:r>
+            <a:endParaRPr lang="en-US" dirty="0"/>
+          </a:p>
+        </p:txBody>
+      </p:sp>
+      <p:pic>
+        <p:nvPicPr>
+          <p:cNvPr id="5" name="Picture 4"/>
+          <p:cNvPicPr>
+            <a:picLocks noChangeAspect="1"/>
+          </p:cNvPicPr>
+          <p:nvPr/>
+        </p:nvPicPr>
+        <p:blipFill rotWithShape="1">
+          <a:blip r:embed="rId2"/>
+          <a:srcRect b="52263"/>
+          <a:stretch/>
+        </p:blipFill>
+        <p:spPr>
+          <a:xfrm>
+            <a:off x="539552" y="2708920"/>
+            <a:ext cx="8115976" cy="3273778"/>
+          </a:xfrm>
+          <a:prstGeom prst="rect">
+            <a:avLst/>
+          </a:prstGeom>
+        </p:spPr>
+      </p:pic>
+    </p:spTree>
+    <p:extLst>
+      <p:ext uri="{BB962C8B-B14F-4D97-AF65-F5344CB8AC3E}">
+        <p14:creationId xmlns:p14="http://schemas.microsoft.com/office/powerpoint/2010/main" val="6839401"/>
+      </p:ext>
+    </p:extLst>
+  </p:cSld>
+  <p:clrMapOvr>
+    <a:masterClrMapping/>
+  </p:clrMapOvr>
+</p:sld>
+</file>
+
 <file path=ppt/slides/slide2.xml><?xml version="1.0" encoding="utf-8"?>
 <p:sld xmlns:a="http://schemas.openxmlformats.org/drawingml/2006/main" xmlns:r="http://schemas.openxmlformats.org/officeDocument/2006/relationships" xmlns:p="http://schemas.openxmlformats.org/presentationml/2006/main">
   <p:cSld>
@@ -6199,12 +6401,23 @@
           <a:lstStyle/>
           <a:p>
             <a:r>
-              <a:rPr lang="en-US">
+              <a:rPr lang="en-US" dirty="0">
                 <a:latin typeface="Calibri" charset="0"/>
                 <a:ea typeface="ＭＳ Ｐゴシック" charset="0"/>
               </a:rPr>
-              <a:t>Learning Objectives of Module</a:t>
-            </a:r>
+              <a:t>Learning Objectives of </a:t>
+            </a:r>
+            <a:r>
+              <a:rPr lang="en-US" dirty="0" smtClean="0">
+                <a:latin typeface="Calibri" charset="0"/>
+                <a:ea typeface="ＭＳ Ｐゴシック" charset="0"/>
+              </a:rPr>
+              <a:t>the Lab</a:t>
+            </a:r>
+            <a:endParaRPr lang="en-US" dirty="0">
+              <a:latin typeface="Calibri" charset="0"/>
+              <a:ea typeface="ＭＳ Ｐゴシック" charset="0"/>
+            </a:endParaRPr>
           </a:p>
         </p:txBody>
       </p:sp>
@@ -6228,40 +6441,13 @@
                 <a:latin typeface="Calibri" charset="0"/>
                 <a:ea typeface="ＭＳ Ｐゴシック" charset="0"/>
               </a:rPr>
-              <a:t>Explore impact of gene fusions in cancer</a:t>
-            </a:r>
-          </a:p>
-          <a:p>
-            <a:endParaRPr lang="en-US" sz="2400" dirty="0">
-              <a:latin typeface="Calibri" charset="0"/>
-              <a:ea typeface="ＭＳ Ｐゴシック" charset="0"/>
-            </a:endParaRPr>
-          </a:p>
-          <a:p>
-            <a:r>
-              <a:rPr lang="en-US" sz="2400" dirty="0" smtClean="0">
-                <a:latin typeface="Calibri" charset="0"/>
-                <a:ea typeface="ＭＳ Ｐゴシック" charset="0"/>
-              </a:rPr>
-              <a:t>Learn about types of evidence for gene fusions</a:t>
-            </a:r>
-          </a:p>
-          <a:p>
-            <a:endParaRPr lang="en-US" sz="2400" dirty="0">
-              <a:latin typeface="Calibri" charset="0"/>
-              <a:ea typeface="ＭＳ Ｐゴシック" charset="0"/>
-            </a:endParaRPr>
-          </a:p>
-          <a:p>
-            <a:r>
-              <a:rPr lang="en-US" sz="2400" dirty="0">
-                <a:latin typeface="Calibri" charset="0"/>
-                <a:ea typeface="ＭＳ Ｐゴシック" charset="0"/>
-              </a:rPr>
-              <a:t>Understanding of the available detection methods/tools</a:t>
-            </a:r>
-          </a:p>
-          <a:p>
+              <a:t>Become familiar with fusion discovery tools</a:t>
+            </a:r>
+          </a:p>
+          <a:p>
+            <a:pPr marL="0" indent="0">
+              <a:buNone/>
+            </a:pPr>
             <a:endParaRPr lang="en-US" sz="2400" dirty="0" smtClean="0">
               <a:latin typeface="Calibri" charset="0"/>
               <a:ea typeface="ＭＳ Ｐゴシック" charset="0"/>
@@ -6295,15 +6481,6 @@
               <a:latin typeface="Calibri" charset="0"/>
               <a:ea typeface="ＭＳ Ｐゴシック" charset="0"/>
             </a:endParaRPr>
-          </a:p>
-          <a:p>
-            <a:r>
-              <a:rPr lang="en-US" sz="2400" dirty="0" smtClean="0">
-                <a:latin typeface="Calibri" charset="0"/>
-                <a:ea typeface="ＭＳ Ｐゴシック" charset="0"/>
-              </a:rPr>
-              <a:t>Assess a gene fusion’s potential function</a:t>
-            </a:r>
           </a:p>
         </p:txBody>
       </p:sp>

--- a/gene_fusions/content/CBW_BiCG_GeneFusionsLab_2014.pptx
+++ b/gene_fusions/content/CBW_BiCG_GeneFusionsLab_2014.pptx
@@ -5,10 +5,10 @@
     <p:sldMasterId id="2147483648" r:id="rId1"/>
   </p:sldMasterIdLst>
   <p:notesMasterIdLst>
-    <p:notesMasterId r:id="rId18"/>
+    <p:notesMasterId r:id="rId21"/>
   </p:notesMasterIdLst>
   <p:handoutMasterIdLst>
-    <p:handoutMasterId r:id="rId19"/>
+    <p:handoutMasterId r:id="rId22"/>
   </p:handoutMasterIdLst>
   <p:sldIdLst>
     <p:sldId id="341" r:id="rId2"/>
@@ -27,6 +27,9 @@
     <p:sldId id="524" r:id="rId15"/>
     <p:sldId id="525" r:id="rId16"/>
     <p:sldId id="526" r:id="rId17"/>
+    <p:sldId id="527" r:id="rId18"/>
+    <p:sldId id="528" r:id="rId19"/>
+    <p:sldId id="529" r:id="rId20"/>
   </p:sldIdLst>
   <p:sldSz cx="9144000" cy="6858000" type="screen4x3"/>
   <p:notesSz cx="7315200" cy="9601200"/>
@@ -176,6 +179,9 @@
             <p14:sldId id="524"/>
             <p14:sldId id="525"/>
             <p14:sldId id="526"/>
+            <p14:sldId id="527"/>
+            <p14:sldId id="528"/>
+            <p14:sldId id="529"/>
           </p14:sldIdLst>
         </p14:section>
       </p14:sectionLst>
@@ -4969,6 +4975,302 @@
     <p:extLst>
       <p:ext uri="{BB962C8B-B14F-4D97-AF65-F5344CB8AC3E}">
         <p14:creationId xmlns:p14="http://schemas.microsoft.com/office/powerpoint/2010/main" val="6839401"/>
+      </p:ext>
+    </p:extLst>
+  </p:cSld>
+  <p:clrMapOvr>
+    <a:masterClrMapping/>
+  </p:clrMapOvr>
+</p:sld>
+</file>
+
+<file path=ppt/slides/slide17.xml><?xml version="1.0" encoding="utf-8"?>
+<p:sld xmlns:a="http://schemas.openxmlformats.org/drawingml/2006/main" xmlns:r="http://schemas.openxmlformats.org/officeDocument/2006/relationships" xmlns:p="http://schemas.openxmlformats.org/presentationml/2006/main">
+  <p:cSld>
+    <p:spTree>
+      <p:nvGrpSpPr>
+        <p:cNvPr id="1" name=""/>
+        <p:cNvGrpSpPr/>
+        <p:nvPr/>
+      </p:nvGrpSpPr>
+      <p:grpSpPr>
+        <a:xfrm>
+          <a:off x="0" y="0"/>
+          <a:ext cx="0" cy="0"/>
+          <a:chOff x="0" y="0"/>
+          <a:chExt cx="0" cy="0"/>
+        </a:xfrm>
+      </p:grpSpPr>
+      <p:sp>
+        <p:nvSpPr>
+          <p:cNvPr id="2" name="Title 1"/>
+          <p:cNvSpPr>
+            <a:spLocks noGrp="1"/>
+          </p:cNvSpPr>
+          <p:nvPr>
+            <p:ph type="title"/>
+          </p:nvPr>
+        </p:nvSpPr>
+        <p:spPr/>
+        <p:txBody>
+          <a:bodyPr/>
+          <a:lstStyle/>
+          <a:p>
+            <a:r>
+              <a:rPr lang="en-US" dirty="0" smtClean="0"/>
+              <a:t>Example 7: Complex breakpoint</a:t>
+            </a:r>
+            <a:endParaRPr lang="en-US" dirty="0"/>
+          </a:p>
+        </p:txBody>
+      </p:sp>
+      <p:sp>
+        <p:nvSpPr>
+          <p:cNvPr id="3" name="Content Placeholder 2"/>
+          <p:cNvSpPr>
+            <a:spLocks noGrp="1"/>
+          </p:cNvSpPr>
+          <p:nvPr>
+            <p:ph idx="1"/>
+          </p:nvPr>
+        </p:nvSpPr>
+        <p:spPr/>
+        <p:txBody>
+          <a:bodyPr/>
+          <a:lstStyle/>
+          <a:p>
+            <a:r>
+              <a:rPr lang="en-US" dirty="0" smtClean="0"/>
+              <a:t>TMEM52B side of the fusion</a:t>
+            </a:r>
+            <a:endParaRPr lang="en-US" dirty="0"/>
+          </a:p>
+        </p:txBody>
+      </p:sp>
+      <p:pic>
+        <p:nvPicPr>
+          <p:cNvPr id="5" name="Picture 4"/>
+          <p:cNvPicPr>
+            <a:picLocks noChangeAspect="1"/>
+          </p:cNvPicPr>
+          <p:nvPr/>
+        </p:nvPicPr>
+        <p:blipFill>
+          <a:blip r:embed="rId2"/>
+          <a:stretch>
+            <a:fillRect/>
+          </a:stretch>
+        </p:blipFill>
+        <p:spPr>
+          <a:xfrm>
+            <a:off x="0" y="2420888"/>
+            <a:ext cx="9144000" cy="3954780"/>
+          </a:xfrm>
+          <a:prstGeom prst="rect">
+            <a:avLst/>
+          </a:prstGeom>
+        </p:spPr>
+      </p:pic>
+    </p:spTree>
+    <p:extLst>
+      <p:ext uri="{BB962C8B-B14F-4D97-AF65-F5344CB8AC3E}">
+        <p14:creationId xmlns:p14="http://schemas.microsoft.com/office/powerpoint/2010/main" val="3203656276"/>
+      </p:ext>
+    </p:extLst>
+  </p:cSld>
+  <p:clrMapOvr>
+    <a:masterClrMapping/>
+  </p:clrMapOvr>
+</p:sld>
+</file>
+
+<file path=ppt/slides/slide18.xml><?xml version="1.0" encoding="utf-8"?>
+<p:sld xmlns:a="http://schemas.openxmlformats.org/drawingml/2006/main" xmlns:r="http://schemas.openxmlformats.org/officeDocument/2006/relationships" xmlns:p="http://schemas.openxmlformats.org/presentationml/2006/main">
+  <p:cSld>
+    <p:spTree>
+      <p:nvGrpSpPr>
+        <p:cNvPr id="1" name=""/>
+        <p:cNvGrpSpPr/>
+        <p:nvPr/>
+      </p:nvGrpSpPr>
+      <p:grpSpPr>
+        <a:xfrm>
+          <a:off x="0" y="0"/>
+          <a:ext cx="0" cy="0"/>
+          <a:chOff x="0" y="0"/>
+          <a:chExt cx="0" cy="0"/>
+        </a:xfrm>
+      </p:grpSpPr>
+      <p:sp>
+        <p:nvSpPr>
+          <p:cNvPr id="2" name="Title 1"/>
+          <p:cNvSpPr>
+            <a:spLocks noGrp="1"/>
+          </p:cNvSpPr>
+          <p:nvPr>
+            <p:ph type="title"/>
+          </p:nvPr>
+        </p:nvSpPr>
+        <p:spPr/>
+        <p:txBody>
+          <a:bodyPr/>
+          <a:lstStyle/>
+          <a:p>
+            <a:r>
+              <a:rPr lang="en-US" dirty="0"/>
+              <a:t>Example 7: Complex breakpoint</a:t>
+            </a:r>
+          </a:p>
+        </p:txBody>
+      </p:sp>
+      <p:sp>
+        <p:nvSpPr>
+          <p:cNvPr id="3" name="Content Placeholder 2"/>
+          <p:cNvSpPr>
+            <a:spLocks noGrp="1"/>
+          </p:cNvSpPr>
+          <p:nvPr>
+            <p:ph idx="1"/>
+          </p:nvPr>
+        </p:nvSpPr>
+        <p:spPr/>
+        <p:txBody>
+          <a:bodyPr/>
+          <a:lstStyle/>
+          <a:p>
+            <a:r>
+              <a:rPr lang="en-US" dirty="0" smtClean="0"/>
+              <a:t>Interstitial segment from TTLL9</a:t>
+            </a:r>
+            <a:endParaRPr lang="en-US" dirty="0"/>
+          </a:p>
+        </p:txBody>
+      </p:sp>
+      <p:pic>
+        <p:nvPicPr>
+          <p:cNvPr id="4" name="Picture 3"/>
+          <p:cNvPicPr>
+            <a:picLocks noChangeAspect="1"/>
+          </p:cNvPicPr>
+          <p:nvPr/>
+        </p:nvPicPr>
+        <p:blipFill rotWithShape="1">
+          <a:blip r:embed="rId2"/>
+          <a:srcRect b="34125"/>
+          <a:stretch/>
+        </p:blipFill>
+        <p:spPr>
+          <a:xfrm>
+            <a:off x="0" y="2708920"/>
+            <a:ext cx="9144000" cy="3282884"/>
+          </a:xfrm>
+          <a:prstGeom prst="rect">
+            <a:avLst/>
+          </a:prstGeom>
+        </p:spPr>
+      </p:pic>
+    </p:spTree>
+    <p:extLst>
+      <p:ext uri="{BB962C8B-B14F-4D97-AF65-F5344CB8AC3E}">
+        <p14:creationId xmlns:p14="http://schemas.microsoft.com/office/powerpoint/2010/main" val="3916343985"/>
+      </p:ext>
+    </p:extLst>
+  </p:cSld>
+  <p:clrMapOvr>
+    <a:masterClrMapping/>
+  </p:clrMapOvr>
+</p:sld>
+</file>
+
+<file path=ppt/slides/slide19.xml><?xml version="1.0" encoding="utf-8"?>
+<p:sld xmlns:a="http://schemas.openxmlformats.org/drawingml/2006/main" xmlns:r="http://schemas.openxmlformats.org/officeDocument/2006/relationships" xmlns:p="http://schemas.openxmlformats.org/presentationml/2006/main">
+  <p:cSld>
+    <p:spTree>
+      <p:nvGrpSpPr>
+        <p:cNvPr id="1" name=""/>
+        <p:cNvGrpSpPr/>
+        <p:nvPr/>
+      </p:nvGrpSpPr>
+      <p:grpSpPr>
+        <a:xfrm>
+          <a:off x="0" y="0"/>
+          <a:ext cx="0" cy="0"/>
+          <a:chOff x="0" y="0"/>
+          <a:chExt cx="0" cy="0"/>
+        </a:xfrm>
+      </p:grpSpPr>
+      <p:sp>
+        <p:nvSpPr>
+          <p:cNvPr id="2" name="Title 1"/>
+          <p:cNvSpPr>
+            <a:spLocks noGrp="1"/>
+          </p:cNvSpPr>
+          <p:nvPr>
+            <p:ph type="title"/>
+          </p:nvPr>
+        </p:nvSpPr>
+        <p:spPr/>
+        <p:txBody>
+          <a:bodyPr/>
+          <a:lstStyle/>
+          <a:p>
+            <a:r>
+              <a:rPr lang="en-US" dirty="0"/>
+              <a:t>Example 7: Complex breakpoint</a:t>
+            </a:r>
+          </a:p>
+        </p:txBody>
+      </p:sp>
+      <p:sp>
+        <p:nvSpPr>
+          <p:cNvPr id="3" name="Content Placeholder 2"/>
+          <p:cNvSpPr>
+            <a:spLocks noGrp="1"/>
+          </p:cNvSpPr>
+          <p:nvPr>
+            <p:ph idx="1"/>
+          </p:nvPr>
+        </p:nvSpPr>
+        <p:spPr/>
+        <p:txBody>
+          <a:bodyPr/>
+          <a:lstStyle/>
+          <a:p>
+            <a:r>
+              <a:rPr lang="en-US" dirty="0" smtClean="0"/>
+              <a:t>TENC1 side of the breakpoint</a:t>
+            </a:r>
+            <a:endParaRPr lang="en-US" dirty="0"/>
+          </a:p>
+        </p:txBody>
+      </p:sp>
+      <p:pic>
+        <p:nvPicPr>
+          <p:cNvPr id="5" name="Picture 4"/>
+          <p:cNvPicPr>
+            <a:picLocks noChangeAspect="1"/>
+          </p:cNvPicPr>
+          <p:nvPr/>
+        </p:nvPicPr>
+        <p:blipFill rotWithShape="1">
+          <a:blip r:embed="rId2"/>
+          <a:srcRect b="30415"/>
+          <a:stretch/>
+        </p:blipFill>
+        <p:spPr>
+          <a:xfrm>
+            <a:off x="14324" y="2204864"/>
+            <a:ext cx="9144000" cy="4024489"/>
+          </a:xfrm>
+          <a:prstGeom prst="rect">
+            <a:avLst/>
+          </a:prstGeom>
+        </p:spPr>
+      </p:pic>
+    </p:spTree>
+    <p:extLst>
+      <p:ext uri="{BB962C8B-B14F-4D97-AF65-F5344CB8AC3E}">
+        <p14:creationId xmlns:p14="http://schemas.microsoft.com/office/powerpoint/2010/main" val="775610580"/>
       </p:ext>
     </p:extLst>
   </p:cSld>

--- a/gene_fusions/content/CBW_BiCG_GeneFusionsLab_2014.pptx
+++ b/gene_fusions/content/CBW_BiCG_GeneFusionsLab_2014.pptx
@@ -5,31 +5,32 @@
     <p:sldMasterId id="2147483648" r:id="rId1"/>
   </p:sldMasterIdLst>
   <p:notesMasterIdLst>
-    <p:notesMasterId r:id="rId21"/>
+    <p:notesMasterId r:id="rId22"/>
   </p:notesMasterIdLst>
   <p:handoutMasterIdLst>
-    <p:handoutMasterId r:id="rId22"/>
+    <p:handoutMasterId r:id="rId23"/>
   </p:handoutMasterIdLst>
   <p:sldIdLst>
     <p:sldId id="341" r:id="rId2"/>
     <p:sldId id="342" r:id="rId3"/>
     <p:sldId id="257" r:id="rId4"/>
     <p:sldId id="513" r:id="rId5"/>
-    <p:sldId id="514" r:id="rId6"/>
-    <p:sldId id="515" r:id="rId7"/>
-    <p:sldId id="516" r:id="rId8"/>
-    <p:sldId id="517" r:id="rId9"/>
-    <p:sldId id="518" r:id="rId10"/>
-    <p:sldId id="520" r:id="rId11"/>
-    <p:sldId id="521" r:id="rId12"/>
-    <p:sldId id="522" r:id="rId13"/>
-    <p:sldId id="523" r:id="rId14"/>
-    <p:sldId id="524" r:id="rId15"/>
-    <p:sldId id="525" r:id="rId16"/>
-    <p:sldId id="526" r:id="rId17"/>
-    <p:sldId id="527" r:id="rId18"/>
-    <p:sldId id="528" r:id="rId19"/>
-    <p:sldId id="529" r:id="rId20"/>
+    <p:sldId id="534" r:id="rId6"/>
+    <p:sldId id="518" r:id="rId7"/>
+    <p:sldId id="520" r:id="rId8"/>
+    <p:sldId id="521" r:id="rId9"/>
+    <p:sldId id="522" r:id="rId10"/>
+    <p:sldId id="523" r:id="rId11"/>
+    <p:sldId id="524" r:id="rId12"/>
+    <p:sldId id="525" r:id="rId13"/>
+    <p:sldId id="526" r:id="rId14"/>
+    <p:sldId id="527" r:id="rId15"/>
+    <p:sldId id="528" r:id="rId16"/>
+    <p:sldId id="529" r:id="rId17"/>
+    <p:sldId id="530" r:id="rId18"/>
+    <p:sldId id="531" r:id="rId19"/>
+    <p:sldId id="532" r:id="rId20"/>
+    <p:sldId id="533" r:id="rId21"/>
   </p:sldIdLst>
   <p:sldSz cx="9144000" cy="6858000" type="screen4x3"/>
   <p:notesSz cx="7315200" cy="9601200"/>
@@ -167,10 +168,7 @@
             <p14:sldId id="342"/>
             <p14:sldId id="257"/>
             <p14:sldId id="513"/>
-            <p14:sldId id="514"/>
-            <p14:sldId id="515"/>
-            <p14:sldId id="516"/>
-            <p14:sldId id="517"/>
+            <p14:sldId id="534"/>
             <p14:sldId id="518"/>
             <p14:sldId id="520"/>
             <p14:sldId id="521"/>
@@ -182,6 +180,10 @@
             <p14:sldId id="527"/>
             <p14:sldId id="528"/>
             <p14:sldId id="529"/>
+            <p14:sldId id="530"/>
+            <p14:sldId id="531"/>
+            <p14:sldId id="532"/>
+            <p14:sldId id="533"/>
           </p14:sldIdLst>
         </p14:section>
       </p14:sectionLst>
@@ -3934,7 +3936,15 @@
           <a:p>
             <a:r>
               <a:rPr lang="en-US" dirty="0" smtClean="0"/>
-              <a:t>Example 2: Artifact fusion induced by repetitive genome sequence </a:t>
+              <a:t>Example 5: Rearrangement inducing spurious </a:t>
+            </a:r>
+            <a:r>
+              <a:rPr lang="en-US" dirty="0" err="1" smtClean="0"/>
+              <a:t>intronic</a:t>
+            </a:r>
+            <a:r>
+              <a:rPr lang="en-US" dirty="0" smtClean="0"/>
+              <a:t> transcription</a:t>
             </a:r>
             <a:endParaRPr lang="en-US" dirty="0"/>
           </a:p>
@@ -3956,402 +3966,49 @@
           <a:lstStyle/>
           <a:p>
             <a:r>
-              <a:rPr lang="en-US" dirty="0"/>
-              <a:t>one part of the query sequence maps to many locations in the genome</a:t>
-            </a:r>
+              <a:rPr lang="en-US" dirty="0" smtClean="0"/>
+              <a:t>Alignments to </a:t>
+            </a:r>
+            <a:r>
+              <a:rPr lang="en-US" dirty="0" err="1" smtClean="0"/>
+              <a:t>intronic</a:t>
+            </a:r>
+            <a:r>
+              <a:rPr lang="en-US" dirty="0" smtClean="0"/>
+              <a:t> region of SLC6A17</a:t>
+            </a:r>
+            <a:endParaRPr lang="en-US" dirty="0"/>
           </a:p>
         </p:txBody>
       </p:sp>
-      <p:sp>
-        <p:nvSpPr>
-          <p:cNvPr id="4" name="TextBox 3"/>
-          <p:cNvSpPr txBox="1"/>
+      <p:pic>
+        <p:nvPicPr>
+          <p:cNvPr id="4" name="Picture 3"/>
+          <p:cNvPicPr>
+            <a:picLocks noChangeAspect="1"/>
+          </p:cNvPicPr>
           <p:nvPr/>
-        </p:nvSpPr>
+        </p:nvPicPr>
+        <p:blipFill>
+          <a:blip r:embed="rId2"/>
+          <a:stretch>
+            <a:fillRect/>
+          </a:stretch>
+        </p:blipFill>
         <p:spPr>
           <a:xfrm>
-            <a:off x="251520" y="2852936"/>
-            <a:ext cx="9361040" cy="2970043"/>
+            <a:off x="0" y="2564904"/>
+            <a:ext cx="9144000" cy="3383280"/>
           </a:xfrm>
           <a:prstGeom prst="rect">
             <a:avLst/>
           </a:prstGeom>
-          <a:noFill/>
         </p:spPr>
-        <p:txBody>
-          <a:bodyPr wrap="square" rtlCol="0">
-            <a:spAutoFit/>
-          </a:bodyPr>
-          <a:lstStyle/>
-          <a:p>
-            <a:r>
-              <a:rPr lang="en-US" sz="1100" dirty="0">
-                <a:latin typeface="Courier"/>
-                <a:cs typeface="Courier"/>
-              </a:rPr>
-              <a:t> ACTIONS      QUERY           SCORE START  END QSIZE IDENTITY CHRO STRAND  START    END      SPAN</a:t>
-            </a:r>
-          </a:p>
-          <a:p>
-            <a:r>
-              <a:rPr lang="en-US" sz="1100" dirty="0">
-                <a:latin typeface="Courier"/>
-                <a:cs typeface="Courier"/>
-              </a:rPr>
-              <a:t>---------------------------------------------------------------------------------------------------</a:t>
-            </a:r>
-          </a:p>
-          <a:p>
-            <a:r>
-              <a:rPr lang="en-US" sz="1100" dirty="0">
-                <a:latin typeface="Courier"/>
-                <a:cs typeface="Courier"/>
-              </a:rPr>
-              <a:t>browser details </a:t>
-            </a:r>
-            <a:r>
-              <a:rPr lang="en-US" sz="1100" dirty="0" err="1">
-                <a:latin typeface="Courier"/>
-                <a:cs typeface="Courier"/>
-              </a:rPr>
-              <a:t>YourSeq</a:t>
-            </a:r>
-            <a:r>
-              <a:rPr lang="en-US" sz="1100" dirty="0">
-                <a:latin typeface="Courier"/>
-                <a:cs typeface="Courier"/>
-              </a:rPr>
-              <a:t>           68    40   107   107 100.0%    22   -   32435560  32435627     68</a:t>
-            </a:r>
-          </a:p>
-          <a:p>
-            <a:r>
-              <a:rPr lang="en-US" sz="1100" dirty="0">
-                <a:latin typeface="Courier"/>
-                <a:cs typeface="Courier"/>
-              </a:rPr>
-              <a:t>browser details </a:t>
-            </a:r>
-            <a:r>
-              <a:rPr lang="en-US" sz="1100" dirty="0" err="1">
-                <a:latin typeface="Courier"/>
-                <a:cs typeface="Courier"/>
-              </a:rPr>
-              <a:t>YourSeq</a:t>
-            </a:r>
-            <a:r>
-              <a:rPr lang="en-US" sz="1100" dirty="0">
-                <a:latin typeface="Courier"/>
-                <a:cs typeface="Courier"/>
-              </a:rPr>
-              <a:t>           64    40   107   107  97.1%    15   +   82824392  82824459     68</a:t>
-            </a:r>
-          </a:p>
-          <a:p>
-            <a:r>
-              <a:rPr lang="en-US" sz="1100" dirty="0">
-                <a:latin typeface="Courier"/>
-                <a:cs typeface="Courier"/>
-              </a:rPr>
-              <a:t>browser details </a:t>
-            </a:r>
-            <a:r>
-              <a:rPr lang="en-US" sz="1100" dirty="0" err="1">
-                <a:latin typeface="Courier"/>
-                <a:cs typeface="Courier"/>
-              </a:rPr>
-              <a:t>YourSeq</a:t>
-            </a:r>
-            <a:r>
-              <a:rPr lang="en-US" sz="1100" dirty="0">
-                <a:latin typeface="Courier"/>
-                <a:cs typeface="Courier"/>
-              </a:rPr>
-              <a:t>           64    40   107   107  97.1%    15   +   83208735  83208802     68</a:t>
-            </a:r>
-          </a:p>
-          <a:p>
-            <a:r>
-              <a:rPr lang="en-US" sz="1100" dirty="0">
-                <a:latin typeface="Courier"/>
-                <a:cs typeface="Courier"/>
-              </a:rPr>
-              <a:t>browser details </a:t>
-            </a:r>
-            <a:r>
-              <a:rPr lang="en-US" sz="1100" dirty="0" err="1">
-                <a:latin typeface="Courier"/>
-                <a:cs typeface="Courier"/>
-              </a:rPr>
-              <a:t>YourSeq</a:t>
-            </a:r>
-            <a:r>
-              <a:rPr lang="en-US" sz="1100" dirty="0">
-                <a:latin typeface="Courier"/>
-                <a:cs typeface="Courier"/>
-              </a:rPr>
-              <a:t>           62    40   107   107  95.6%     5   -  116052023 116052090     68</a:t>
-            </a:r>
-          </a:p>
-          <a:p>
-            <a:r>
-              <a:rPr lang="en-US" sz="1100" dirty="0">
-                <a:latin typeface="Courier"/>
-                <a:cs typeface="Courier"/>
-              </a:rPr>
-              <a:t>browser details </a:t>
-            </a:r>
-            <a:r>
-              <a:rPr lang="en-US" sz="1100" dirty="0" err="1">
-                <a:latin typeface="Courier"/>
-                <a:cs typeface="Courier"/>
-              </a:rPr>
-              <a:t>YourSeq</a:t>
-            </a:r>
-            <a:r>
-              <a:rPr lang="en-US" sz="1100" dirty="0">
-                <a:latin typeface="Courier"/>
-                <a:cs typeface="Courier"/>
-              </a:rPr>
-              <a:t>           60    40   107   107  94.2%    17   -   29158008  29158075     68</a:t>
-            </a:r>
-          </a:p>
-          <a:p>
-            <a:r>
-              <a:rPr lang="en-US" sz="1100" dirty="0">
-                <a:latin typeface="Courier"/>
-                <a:cs typeface="Courier"/>
-              </a:rPr>
-              <a:t>browser details </a:t>
-            </a:r>
-            <a:r>
-              <a:rPr lang="en-US" sz="1100" dirty="0" err="1">
-                <a:latin typeface="Courier"/>
-                <a:cs typeface="Courier"/>
-              </a:rPr>
-              <a:t>YourSeq</a:t>
-            </a:r>
-            <a:r>
-              <a:rPr lang="en-US" sz="1100" dirty="0">
-                <a:latin typeface="Courier"/>
-                <a:cs typeface="Courier"/>
-              </a:rPr>
-              <a:t>           58    40   107   107  92.7%     1   +  167131923 167131990     68</a:t>
-            </a:r>
-          </a:p>
-          <a:p>
-            <a:r>
-              <a:rPr lang="en-US" sz="1100" dirty="0">
-                <a:latin typeface="Courier"/>
-                <a:cs typeface="Courier"/>
-              </a:rPr>
-              <a:t>browser details </a:t>
-            </a:r>
-            <a:r>
-              <a:rPr lang="en-US" sz="1100" dirty="0" err="1">
-                <a:latin typeface="Courier"/>
-                <a:cs typeface="Courier"/>
-              </a:rPr>
-              <a:t>YourSeq</a:t>
-            </a:r>
-            <a:r>
-              <a:rPr lang="en-US" sz="1100" dirty="0">
-                <a:latin typeface="Courier"/>
-                <a:cs typeface="Courier"/>
-              </a:rPr>
-              <a:t>           57    44   102   107  98.4%     6   -   63257401  63257459     59</a:t>
-            </a:r>
-          </a:p>
-          <a:p>
-            <a:r>
-              <a:rPr lang="en-US" sz="1100" dirty="0">
-                <a:latin typeface="Courier"/>
-                <a:cs typeface="Courier"/>
-              </a:rPr>
-              <a:t>browser details </a:t>
-            </a:r>
-            <a:r>
-              <a:rPr lang="en-US" sz="1100" dirty="0" err="1">
-                <a:latin typeface="Courier"/>
-                <a:cs typeface="Courier"/>
-              </a:rPr>
-              <a:t>YourSeq</a:t>
-            </a:r>
-            <a:r>
-              <a:rPr lang="en-US" sz="1100" dirty="0">
-                <a:latin typeface="Courier"/>
-                <a:cs typeface="Courier"/>
-              </a:rPr>
-              <a:t>           54    44   107   107  92.2%     6   +   50825228  50825291     64</a:t>
-            </a:r>
-          </a:p>
-          <a:p>
-            <a:r>
-              <a:rPr lang="en-US" sz="1100" dirty="0">
-                <a:latin typeface="Courier"/>
-                <a:cs typeface="Courier"/>
-              </a:rPr>
-              <a:t>browser details </a:t>
-            </a:r>
-            <a:r>
-              <a:rPr lang="en-US" sz="1100" dirty="0" err="1">
-                <a:latin typeface="Courier"/>
-                <a:cs typeface="Courier"/>
-              </a:rPr>
-              <a:t>YourSeq</a:t>
-            </a:r>
-            <a:r>
-              <a:rPr lang="en-US" sz="1100" dirty="0">
-                <a:latin typeface="Courier"/>
-                <a:cs typeface="Courier"/>
-              </a:rPr>
-              <a:t>           54    41   106   107  85.8%     3   +  143574838 143574900     63</a:t>
-            </a:r>
-          </a:p>
-          <a:p>
-            <a:r>
-              <a:rPr lang="en-US" sz="1100" dirty="0">
-                <a:latin typeface="Courier"/>
-                <a:cs typeface="Courier"/>
-              </a:rPr>
-              <a:t>browser details </a:t>
-            </a:r>
-            <a:r>
-              <a:rPr lang="en-US" sz="1100" dirty="0" err="1">
-                <a:latin typeface="Courier"/>
-                <a:cs typeface="Courier"/>
-              </a:rPr>
-              <a:t>YourSeq</a:t>
-            </a:r>
-            <a:r>
-              <a:rPr lang="en-US" sz="1100" dirty="0">
-                <a:latin typeface="Courier"/>
-                <a:cs typeface="Courier"/>
-              </a:rPr>
-              <a:t>           37    44    88   107  91.2%     7   -   37156486  37156530     45</a:t>
-            </a:r>
-          </a:p>
-          <a:p>
-            <a:r>
-              <a:rPr lang="en-US" sz="1100" dirty="0">
-                <a:latin typeface="Courier"/>
-                <a:cs typeface="Courier"/>
-              </a:rPr>
-              <a:t>browser details </a:t>
-            </a:r>
-            <a:r>
-              <a:rPr lang="en-US" sz="1100" dirty="0" err="1">
-                <a:latin typeface="Courier"/>
-                <a:cs typeface="Courier"/>
-              </a:rPr>
-              <a:t>YourSeq</a:t>
-            </a:r>
-            <a:r>
-              <a:rPr lang="en-US" sz="1100" dirty="0">
-                <a:latin typeface="Courier"/>
-                <a:cs typeface="Courier"/>
-              </a:rPr>
-              <a:t>           35     1    35   107 100.0%    15   -   82824833  82824867     35</a:t>
-            </a:r>
-          </a:p>
-          <a:p>
-            <a:r>
-              <a:rPr lang="en-US" sz="1100" dirty="0">
-                <a:latin typeface="Courier"/>
-                <a:cs typeface="Courier"/>
-              </a:rPr>
-              <a:t>browser details </a:t>
-            </a:r>
-            <a:r>
-              <a:rPr lang="en-US" sz="1100" dirty="0" err="1">
-                <a:latin typeface="Courier"/>
-                <a:cs typeface="Courier"/>
-              </a:rPr>
-              <a:t>YourSeq</a:t>
-            </a:r>
-            <a:r>
-              <a:rPr lang="en-US" sz="1100" dirty="0">
-                <a:latin typeface="Courier"/>
-                <a:cs typeface="Courier"/>
-              </a:rPr>
-              <a:t>           35     1    35   107 100.0%    15   -   83209176  83209210     35</a:t>
-            </a:r>
-          </a:p>
-          <a:p>
-            <a:r>
-              <a:rPr lang="en-US" sz="1100" dirty="0">
-                <a:latin typeface="Courier"/>
-                <a:cs typeface="Courier"/>
-              </a:rPr>
-              <a:t>browser details </a:t>
-            </a:r>
-            <a:r>
-              <a:rPr lang="en-US" sz="1100" dirty="0" err="1">
-                <a:latin typeface="Courier"/>
-                <a:cs typeface="Courier"/>
-              </a:rPr>
-              <a:t>YourSeq</a:t>
-            </a:r>
-            <a:r>
-              <a:rPr lang="en-US" sz="1100" dirty="0">
-                <a:latin typeface="Courier"/>
-                <a:cs typeface="Courier"/>
-              </a:rPr>
-              <a:t>           34    40    75   107  97.3%    11   +  110976470 110976505     36</a:t>
-            </a:r>
-          </a:p>
-          <a:p>
-            <a:r>
-              <a:rPr lang="en-US" sz="1100" dirty="0">
-                <a:latin typeface="Courier"/>
-                <a:cs typeface="Courier"/>
-              </a:rPr>
-              <a:t>browser details </a:t>
-            </a:r>
-            <a:r>
-              <a:rPr lang="en-US" sz="1100" dirty="0" err="1">
-                <a:latin typeface="Courier"/>
-                <a:cs typeface="Courier"/>
-              </a:rPr>
-              <a:t>YourSeq</a:t>
-            </a:r>
-            <a:r>
-              <a:rPr lang="en-US" sz="1100" dirty="0">
-                <a:latin typeface="Courier"/>
-                <a:cs typeface="Courier"/>
-              </a:rPr>
-              <a:t>           30     8    39   107  96.9%    22   +   32435452  32435483     32</a:t>
-            </a:r>
-          </a:p>
-          <a:p>
-            <a:r>
-              <a:rPr lang="en-US" sz="1100" dirty="0">
-                <a:latin typeface="Courier"/>
-                <a:cs typeface="Courier"/>
-              </a:rPr>
-              <a:t>browser details </a:t>
-            </a:r>
-            <a:r>
-              <a:rPr lang="en-US" sz="1100" dirty="0" err="1">
-                <a:latin typeface="Courier"/>
-                <a:cs typeface="Courier"/>
-              </a:rPr>
-              <a:t>YourSeq</a:t>
-            </a:r>
-            <a:r>
-              <a:rPr lang="en-US" sz="1100" dirty="0">
-                <a:latin typeface="Courier"/>
-                <a:cs typeface="Courier"/>
-              </a:rPr>
-              <a:t>           20     1    20   107 100.0%     5   +  144765194 144765213     20</a:t>
-            </a:r>
-          </a:p>
-        </p:txBody>
-      </p:sp>
+      </p:pic>
     </p:spTree>
     <p:extLst>
       <p:ext uri="{BB962C8B-B14F-4D97-AF65-F5344CB8AC3E}">
-        <p14:creationId xmlns:p14="http://schemas.microsoft.com/office/powerpoint/2010/main" val="1254736974"/>
+        <p14:creationId xmlns:p14="http://schemas.microsoft.com/office/powerpoint/2010/main" val="115239032"/>
       </p:ext>
     </p:extLst>
   </p:cSld>
@@ -4394,10 +4051,17 @@
           <a:lstStyle/>
           <a:p>
             <a:r>
-              <a:rPr lang="en-US" dirty="0" smtClean="0"/>
-              <a:t>Example 3: Artifact fusion induced by a NUMT insertion</a:t>
-            </a:r>
-            <a:endParaRPr lang="en-US" dirty="0"/>
+              <a:rPr lang="en-US" dirty="0"/>
+              <a:t>Example 5: Rearrangement inducing spurious </a:t>
+            </a:r>
+            <a:r>
+              <a:rPr lang="en-US" dirty="0" err="1"/>
+              <a:t>intronic</a:t>
+            </a:r>
+            <a:r>
+              <a:rPr lang="en-US" dirty="0"/>
+              <a:t> transcription</a:t>
+            </a:r>
           </a:p>
         </p:txBody>
       </p:sp>
@@ -4418,13 +4082,9 @@
           <a:p>
             <a:r>
               <a:rPr lang="en-US" dirty="0" smtClean="0"/>
-              <a:t>Notice the alignment is to a region annotated as </a:t>
-            </a:r>
-            <a:r>
-              <a:rPr lang="en-US" b="1" i="1" dirty="0" smtClean="0"/>
-              <a:t>NUMT</a:t>
-            </a:r>
-            <a:endParaRPr lang="en-US" b="1" i="1" dirty="0"/>
+              <a:t>Alignment to an exon of CA2, with the fusion boundary at the boundary of an exon</a:t>
+            </a:r>
+            <a:endParaRPr lang="en-US" dirty="0"/>
           </a:p>
         </p:txBody>
       </p:sp>
@@ -4436,16 +4096,15 @@
           </p:cNvPicPr>
           <p:nvPr/>
         </p:nvPicPr>
-        <p:blipFill>
+        <p:blipFill rotWithShape="1">
           <a:blip r:embed="rId2"/>
-          <a:stretch>
-            <a:fillRect/>
-          </a:stretch>
+          <a:srcRect b="13950"/>
+          <a:stretch/>
         </p:blipFill>
         <p:spPr>
           <a:xfrm>
-            <a:off x="0" y="2708920"/>
-            <a:ext cx="9144000" cy="3143250"/>
+            <a:off x="0" y="2780928"/>
+            <a:ext cx="9144000" cy="3501421"/>
           </a:xfrm>
           <a:prstGeom prst="rect">
             <a:avLst/>
@@ -4455,7 +4114,7 @@
     </p:spTree>
     <p:extLst>
       <p:ext uri="{BB962C8B-B14F-4D97-AF65-F5344CB8AC3E}">
-        <p14:creationId xmlns:p14="http://schemas.microsoft.com/office/powerpoint/2010/main" val="3683222629"/>
+        <p14:creationId xmlns:p14="http://schemas.microsoft.com/office/powerpoint/2010/main" val="2524638764"/>
       </p:ext>
     </p:extLst>
   </p:cSld>
@@ -4499,7 +4158,7 @@
           <a:p>
             <a:r>
               <a:rPr lang="en-US" dirty="0" smtClean="0"/>
-              <a:t>Example 4: Read-through chimera</a:t>
+              <a:t>Example 6: TMPRSS2-ERG</a:t>
             </a:r>
             <a:endParaRPr lang="en-US" dirty="0"/>
           </a:p>
@@ -4522,7 +4181,7 @@
           <a:p>
             <a:r>
               <a:rPr lang="en-US" dirty="0" smtClean="0"/>
-              <a:t>Full alignment to a contiguous section of the genome</a:t>
+              <a:t>Notice some predictions are spliced and there are many variants</a:t>
             </a:r>
             <a:endParaRPr lang="en-US" dirty="0"/>
           </a:p>
@@ -4538,13 +4197,13 @@
         </p:nvPicPr>
         <p:blipFill rotWithShape="1">
           <a:blip r:embed="rId2"/>
-          <a:srcRect b="17179"/>
+          <a:srcRect b="30620"/>
           <a:stretch/>
         </p:blipFill>
         <p:spPr>
           <a:xfrm>
-            <a:off x="0" y="2492896"/>
-            <a:ext cx="9144000" cy="3843406"/>
+            <a:off x="32993" y="2636912"/>
+            <a:ext cx="9144000" cy="3774722"/>
           </a:xfrm>
           <a:prstGeom prst="rect">
             <a:avLst/>
@@ -4554,7 +4213,7 @@
     </p:spTree>
     <p:extLst>
       <p:ext uri="{BB962C8B-B14F-4D97-AF65-F5344CB8AC3E}">
-        <p14:creationId xmlns:p14="http://schemas.microsoft.com/office/powerpoint/2010/main" val="649728576"/>
+        <p14:creationId xmlns:p14="http://schemas.microsoft.com/office/powerpoint/2010/main" val="2283625857"/>
       </p:ext>
     </p:extLst>
   </p:cSld>
@@ -4598,15 +4257,7 @@
           <a:p>
             <a:r>
               <a:rPr lang="en-US" dirty="0" smtClean="0"/>
-              <a:t>Example 5: Rearrangement inducing spurious </a:t>
-            </a:r>
-            <a:r>
-              <a:rPr lang="en-US" dirty="0" err="1" smtClean="0"/>
-              <a:t>intronic</a:t>
-            </a:r>
-            <a:r>
-              <a:rPr lang="en-US" dirty="0" smtClean="0"/>
-              <a:t> transcription</a:t>
+              <a:t>Example 6: TMPRSS2-ERG</a:t>
             </a:r>
             <a:endParaRPr lang="en-US" dirty="0"/>
           </a:p>
@@ -4629,15 +4280,7 @@
           <a:p>
             <a:r>
               <a:rPr lang="en-US" dirty="0" smtClean="0"/>
-              <a:t>Alignments to </a:t>
-            </a:r>
-            <a:r>
-              <a:rPr lang="en-US" dirty="0" err="1" smtClean="0"/>
-              <a:t>intronic</a:t>
-            </a:r>
-            <a:r>
-              <a:rPr lang="en-US" dirty="0" smtClean="0"/>
-              <a:t> region of SLC6A17</a:t>
+              <a:t>Notice some predictions are spliced and there are many variants</a:t>
             </a:r>
             <a:endParaRPr lang="en-US" dirty="0"/>
           </a:p>
@@ -4645,22 +4288,21 @@
       </p:sp>
       <p:pic>
         <p:nvPicPr>
-          <p:cNvPr id="4" name="Picture 3"/>
+          <p:cNvPr id="5" name="Picture 4"/>
           <p:cNvPicPr>
             <a:picLocks noChangeAspect="1"/>
           </p:cNvPicPr>
           <p:nvPr/>
         </p:nvPicPr>
-        <p:blipFill>
+        <p:blipFill rotWithShape="1">
           <a:blip r:embed="rId2"/>
-          <a:stretch>
-            <a:fillRect/>
-          </a:stretch>
+          <a:srcRect b="52263"/>
+          <a:stretch/>
         </p:blipFill>
         <p:spPr>
           <a:xfrm>
-            <a:off x="0" y="2564904"/>
-            <a:ext cx="9144000" cy="3383280"/>
+            <a:off x="539552" y="2708920"/>
+            <a:ext cx="8115976" cy="3273778"/>
           </a:xfrm>
           <a:prstGeom prst="rect">
             <a:avLst/>
@@ -4670,7 +4312,7 @@
     </p:spTree>
     <p:extLst>
       <p:ext uri="{BB962C8B-B14F-4D97-AF65-F5344CB8AC3E}">
-        <p14:creationId xmlns:p14="http://schemas.microsoft.com/office/powerpoint/2010/main" val="115239032"/>
+        <p14:creationId xmlns:p14="http://schemas.microsoft.com/office/powerpoint/2010/main" val="6839401"/>
       </p:ext>
     </p:extLst>
   </p:cSld>
@@ -4713,17 +4355,10 @@
           <a:lstStyle/>
           <a:p>
             <a:r>
-              <a:rPr lang="en-US" dirty="0"/>
-              <a:t>Example 5: Rearrangement inducing spurious </a:t>
-            </a:r>
-            <a:r>
-              <a:rPr lang="en-US" dirty="0" err="1"/>
-              <a:t>intronic</a:t>
-            </a:r>
-            <a:r>
-              <a:rPr lang="en-US" dirty="0"/>
-              <a:t> transcription</a:t>
-            </a:r>
+              <a:rPr lang="en-US" dirty="0" smtClean="0"/>
+              <a:t>Example 7: Complex breakpoint</a:t>
+            </a:r>
+            <a:endParaRPr lang="en-US" dirty="0"/>
           </a:p>
         </p:txBody>
       </p:sp>
@@ -4744,7 +4379,7 @@
           <a:p>
             <a:r>
               <a:rPr lang="en-US" dirty="0" smtClean="0"/>
-              <a:t>Alignment to an exon of CA2, with the fusion boundary at the boundary of an exon</a:t>
+              <a:t>TMEM52B side of the fusion</a:t>
             </a:r>
             <a:endParaRPr lang="en-US" dirty="0"/>
           </a:p>
@@ -4752,21 +4387,22 @@
       </p:sp>
       <p:pic>
         <p:nvPicPr>
-          <p:cNvPr id="4" name="Picture 3"/>
+          <p:cNvPr id="5" name="Picture 4"/>
           <p:cNvPicPr>
             <a:picLocks noChangeAspect="1"/>
           </p:cNvPicPr>
           <p:nvPr/>
         </p:nvPicPr>
-        <p:blipFill rotWithShape="1">
+        <p:blipFill>
           <a:blip r:embed="rId2"/>
-          <a:srcRect b="13950"/>
-          <a:stretch/>
+          <a:stretch>
+            <a:fillRect/>
+          </a:stretch>
         </p:blipFill>
         <p:spPr>
           <a:xfrm>
-            <a:off x="0" y="2780928"/>
-            <a:ext cx="9144000" cy="3501421"/>
+            <a:off x="0" y="2420888"/>
+            <a:ext cx="9144000" cy="3954780"/>
           </a:xfrm>
           <a:prstGeom prst="rect">
             <a:avLst/>
@@ -4776,7 +4412,7 @@
     </p:spTree>
     <p:extLst>
       <p:ext uri="{BB962C8B-B14F-4D97-AF65-F5344CB8AC3E}">
-        <p14:creationId xmlns:p14="http://schemas.microsoft.com/office/powerpoint/2010/main" val="2524638764"/>
+        <p14:creationId xmlns:p14="http://schemas.microsoft.com/office/powerpoint/2010/main" val="3203656276"/>
       </p:ext>
     </p:extLst>
   </p:cSld>
@@ -4819,10 +4455,9 @@
           <a:lstStyle/>
           <a:p>
             <a:r>
-              <a:rPr lang="en-US" dirty="0" smtClean="0"/>
-              <a:t>Example 6: TMPRSS2-ERG</a:t>
-            </a:r>
-            <a:endParaRPr lang="en-US" dirty="0"/>
+              <a:rPr lang="en-US" dirty="0"/>
+              <a:t>Example 7: Complex breakpoint</a:t>
+            </a:r>
           </a:p>
         </p:txBody>
       </p:sp>
@@ -4843,7 +4478,7 @@
           <a:p>
             <a:r>
               <a:rPr lang="en-US" dirty="0" smtClean="0"/>
-              <a:t>Notice some predictions are spliced and there are many variants</a:t>
+              <a:t>Interstitial segment from TTLL9</a:t>
             </a:r>
             <a:endParaRPr lang="en-US" dirty="0"/>
           </a:p>
@@ -4859,13 +4494,13 @@
         </p:nvPicPr>
         <p:blipFill rotWithShape="1">
           <a:blip r:embed="rId2"/>
-          <a:srcRect b="30620"/>
+          <a:srcRect b="34125"/>
           <a:stretch/>
         </p:blipFill>
         <p:spPr>
           <a:xfrm>
-            <a:off x="32993" y="2636912"/>
-            <a:ext cx="9144000" cy="3774722"/>
+            <a:off x="0" y="2708920"/>
+            <a:ext cx="9144000" cy="3282884"/>
           </a:xfrm>
           <a:prstGeom prst="rect">
             <a:avLst/>
@@ -4875,7 +4510,7 @@
     </p:spTree>
     <p:extLst>
       <p:ext uri="{BB962C8B-B14F-4D97-AF65-F5344CB8AC3E}">
-        <p14:creationId xmlns:p14="http://schemas.microsoft.com/office/powerpoint/2010/main" val="2283625857"/>
+        <p14:creationId xmlns:p14="http://schemas.microsoft.com/office/powerpoint/2010/main" val="3916343985"/>
       </p:ext>
     </p:extLst>
   </p:cSld>
@@ -4918,10 +4553,9 @@
           <a:lstStyle/>
           <a:p>
             <a:r>
-              <a:rPr lang="en-US" dirty="0" smtClean="0"/>
-              <a:t>Example 6: TMPRSS2-ERG</a:t>
-            </a:r>
-            <a:endParaRPr lang="en-US" dirty="0"/>
+              <a:rPr lang="en-US" dirty="0"/>
+              <a:t>Example 7: Complex breakpoint</a:t>
+            </a:r>
           </a:p>
         </p:txBody>
       </p:sp>
@@ -4942,7 +4576,7 @@
           <a:p>
             <a:r>
               <a:rPr lang="en-US" dirty="0" smtClean="0"/>
-              <a:t>Notice some predictions are spliced and there are many variants</a:t>
+              <a:t>TENC1 side of the breakpoint</a:t>
             </a:r>
             <a:endParaRPr lang="en-US" dirty="0"/>
           </a:p>
@@ -4958,13 +4592,13 @@
         </p:nvPicPr>
         <p:blipFill rotWithShape="1">
           <a:blip r:embed="rId2"/>
-          <a:srcRect b="52263"/>
+          <a:srcRect b="30415"/>
           <a:stretch/>
         </p:blipFill>
         <p:spPr>
           <a:xfrm>
-            <a:off x="539552" y="2708920"/>
-            <a:ext cx="8115976" cy="3273778"/>
+            <a:off x="14324" y="2204864"/>
+            <a:ext cx="9144000" cy="4024489"/>
           </a:xfrm>
           <a:prstGeom prst="rect">
             <a:avLst/>
@@ -4974,7 +4608,7 @@
     </p:spTree>
     <p:extLst>
       <p:ext uri="{BB962C8B-B14F-4D97-AF65-F5344CB8AC3E}">
-        <p14:creationId xmlns:p14="http://schemas.microsoft.com/office/powerpoint/2010/main" val="6839401"/>
+        <p14:creationId xmlns:p14="http://schemas.microsoft.com/office/powerpoint/2010/main" val="775610580"/>
       </p:ext>
     </p:extLst>
   </p:cSld>
@@ -5018,7 +4652,15 @@
           <a:p>
             <a:r>
               <a:rPr lang="en-US" dirty="0" smtClean="0"/>
-              <a:t>Example 7: Complex breakpoint</a:t>
+              <a:t>Example 8: Assembly artifact </a:t>
+            </a:r>
+            <a:r>
+              <a:rPr lang="en-US" dirty="0"/>
+              <a:t>chimera produced by a </a:t>
+            </a:r>
+            <a:r>
+              <a:rPr lang="en-US" dirty="0" smtClean="0"/>
+              <a:t>Simple repeat</a:t>
             </a:r>
             <a:endParaRPr lang="en-US" dirty="0"/>
           </a:p>
@@ -5026,7 +4668,7 @@
       </p:sp>
       <p:sp>
         <p:nvSpPr>
-          <p:cNvPr id="3" name="Content Placeholder 2"/>
+          <p:cNvPr id="5" name="Content Placeholder 4"/>
           <p:cNvSpPr>
             <a:spLocks noGrp="1"/>
           </p:cNvSpPr>
@@ -5041,15 +4683,14 @@
           <a:p>
             <a:r>
               <a:rPr lang="en-US" dirty="0" smtClean="0"/>
-              <a:t>TMEM52B side of the fusion</a:t>
-            </a:r>
-            <a:endParaRPr lang="en-US" dirty="0"/>
+              <a:t>Notice the alignment of each end of the sequence to the same loci, ending at a simple repeat</a:t>
+            </a:r>
           </a:p>
         </p:txBody>
       </p:sp>
       <p:pic>
         <p:nvPicPr>
-          <p:cNvPr id="5" name="Picture 4"/>
+          <p:cNvPr id="7" name="Picture 6"/>
           <p:cNvPicPr>
             <a:picLocks noChangeAspect="1"/>
           </p:cNvPicPr>
@@ -5063,8 +4704,8 @@
         </p:blipFill>
         <p:spPr>
           <a:xfrm>
-            <a:off x="0" y="2420888"/>
-            <a:ext cx="9144000" cy="3954780"/>
+            <a:off x="0" y="2780928"/>
+            <a:ext cx="9144000" cy="3371850"/>
           </a:xfrm>
           <a:prstGeom prst="rect">
             <a:avLst/>
@@ -5074,7 +4715,7 @@
     </p:spTree>
     <p:extLst>
       <p:ext uri="{BB962C8B-B14F-4D97-AF65-F5344CB8AC3E}">
-        <p14:creationId xmlns:p14="http://schemas.microsoft.com/office/powerpoint/2010/main" val="3203656276"/>
+        <p14:creationId xmlns:p14="http://schemas.microsoft.com/office/powerpoint/2010/main" val="3472699950"/>
       </p:ext>
     </p:extLst>
   </p:cSld>
@@ -5117,15 +4758,24 @@
           <a:lstStyle/>
           <a:p>
             <a:r>
+              <a:rPr lang="en-US" dirty="0" smtClean="0"/>
+              <a:t>Example 9: Assembly artifact </a:t>
+            </a:r>
+            <a:r>
               <a:rPr lang="en-US" dirty="0"/>
-              <a:t>Example 7: Complex breakpoint</a:t>
-            </a:r>
+              <a:t>chimera produced by a SINE </a:t>
+            </a:r>
+            <a:r>
+              <a:rPr lang="en-US" dirty="0" smtClean="0"/>
+              <a:t>repeat</a:t>
+            </a:r>
+            <a:endParaRPr lang="en-US" dirty="0"/>
           </a:p>
         </p:txBody>
       </p:sp>
       <p:sp>
         <p:nvSpPr>
-          <p:cNvPr id="3" name="Content Placeholder 2"/>
+          <p:cNvPr id="5" name="Content Placeholder 4"/>
           <p:cNvSpPr>
             <a:spLocks noGrp="1"/>
           </p:cNvSpPr>
@@ -5139,30 +4789,31 @@
           <a:lstStyle/>
           <a:p>
             <a:r>
-              <a:rPr lang="en-US" dirty="0" smtClean="0"/>
-              <a:t>Interstitial segment from TTLL9</a:t>
-            </a:r>
-            <a:endParaRPr lang="en-US" dirty="0"/>
+              <a:rPr lang="en-US" dirty="0"/>
+              <a:t>Notice the alignment of each end of the sequence to the same loci, ending at a SINE repeat</a:t>
+            </a:r>
+            <a:endParaRPr lang="en-US" dirty="0" smtClean="0"/>
           </a:p>
         </p:txBody>
       </p:sp>
       <p:pic>
         <p:nvPicPr>
-          <p:cNvPr id="4" name="Picture 3"/>
+          <p:cNvPr id="3" name="Picture 2"/>
           <p:cNvPicPr>
             <a:picLocks noChangeAspect="1"/>
           </p:cNvPicPr>
           <p:nvPr/>
         </p:nvPicPr>
-        <p:blipFill rotWithShape="1">
+        <p:blipFill>
           <a:blip r:embed="rId2"/>
-          <a:srcRect b="34125"/>
-          <a:stretch/>
+          <a:stretch>
+            <a:fillRect/>
+          </a:stretch>
         </p:blipFill>
         <p:spPr>
           <a:xfrm>
-            <a:off x="0" y="2708920"/>
-            <a:ext cx="9144000" cy="3282884"/>
+            <a:off x="0" y="2636912"/>
+            <a:ext cx="9144000" cy="3600450"/>
           </a:xfrm>
           <a:prstGeom prst="rect">
             <a:avLst/>
@@ -5172,7 +4823,7 @@
     </p:spTree>
     <p:extLst>
       <p:ext uri="{BB962C8B-B14F-4D97-AF65-F5344CB8AC3E}">
-        <p14:creationId xmlns:p14="http://schemas.microsoft.com/office/powerpoint/2010/main" val="3916343985"/>
+        <p14:creationId xmlns:p14="http://schemas.microsoft.com/office/powerpoint/2010/main" val="3090419275"/>
       </p:ext>
     </p:extLst>
   </p:cSld>
@@ -5215,15 +4866,20 @@
           <a:lstStyle/>
           <a:p>
             <a:r>
-              <a:rPr lang="en-US" dirty="0"/>
-              <a:t>Example 7: Complex breakpoint</a:t>
-            </a:r>
+              <a:rPr lang="en-US" dirty="0" smtClean="0"/>
+              <a:t>Example 10: True fusion assembly identified by Trinity/</a:t>
+            </a:r>
+            <a:r>
+              <a:rPr lang="en-US" dirty="0" err="1" smtClean="0"/>
+              <a:t>gmap</a:t>
+            </a:r>
+            <a:endParaRPr lang="en-US" dirty="0"/>
           </a:p>
         </p:txBody>
       </p:sp>
       <p:sp>
         <p:nvSpPr>
-          <p:cNvPr id="3" name="Content Placeholder 2"/>
+          <p:cNvPr id="5" name="Content Placeholder 4"/>
           <p:cNvSpPr>
             <a:spLocks noGrp="1"/>
           </p:cNvSpPr>
@@ -5238,29 +4894,29 @@
           <a:p>
             <a:r>
               <a:rPr lang="en-US" dirty="0" smtClean="0"/>
-              <a:t>TENC1 side of the breakpoint</a:t>
-            </a:r>
-            <a:endParaRPr lang="en-US" dirty="0"/>
+              <a:t>Each end includes splicing concordant with the gene model</a:t>
+            </a:r>
           </a:p>
         </p:txBody>
       </p:sp>
       <p:pic>
         <p:nvPicPr>
-          <p:cNvPr id="5" name="Picture 4"/>
+          <p:cNvPr id="4" name="Picture 3"/>
           <p:cNvPicPr>
             <a:picLocks noChangeAspect="1"/>
           </p:cNvPicPr>
           <p:nvPr/>
         </p:nvPicPr>
-        <p:blipFill rotWithShape="1">
+        <p:blipFill>
           <a:blip r:embed="rId2"/>
-          <a:srcRect b="30415"/>
-          <a:stretch/>
+          <a:stretch>
+            <a:fillRect/>
+          </a:stretch>
         </p:blipFill>
         <p:spPr>
           <a:xfrm>
-            <a:off x="14324" y="2204864"/>
-            <a:ext cx="9144000" cy="4024489"/>
+            <a:off x="0" y="2492896"/>
+            <a:ext cx="9144000" cy="3611880"/>
           </a:xfrm>
           <a:prstGeom prst="rect">
             <a:avLst/>
@@ -5270,7 +4926,7 @@
     </p:spTree>
     <p:extLst>
       <p:ext uri="{BB962C8B-B14F-4D97-AF65-F5344CB8AC3E}">
-        <p14:creationId xmlns:p14="http://schemas.microsoft.com/office/powerpoint/2010/main" val="775610580"/>
+        <p14:creationId xmlns:p14="http://schemas.microsoft.com/office/powerpoint/2010/main" val="3615538791"/>
       </p:ext>
     </p:extLst>
   </p:cSld>
@@ -5876,6 +5532,114 @@
       </p:par>
     </p:tnLst>
   </p:timing>
+</p:sld>
+</file>
+
+<file path=ppt/slides/slide20.xml><?xml version="1.0" encoding="utf-8"?>
+<p:sld xmlns:a="http://schemas.openxmlformats.org/drawingml/2006/main" xmlns:r="http://schemas.openxmlformats.org/officeDocument/2006/relationships" xmlns:p="http://schemas.openxmlformats.org/presentationml/2006/main">
+  <p:cSld>
+    <p:spTree>
+      <p:nvGrpSpPr>
+        <p:cNvPr id="1" name=""/>
+        <p:cNvGrpSpPr/>
+        <p:nvPr/>
+      </p:nvGrpSpPr>
+      <p:grpSpPr>
+        <a:xfrm>
+          <a:off x="0" y="0"/>
+          <a:ext cx="0" cy="0"/>
+          <a:chOff x="0" y="0"/>
+          <a:chExt cx="0" cy="0"/>
+        </a:xfrm>
+      </p:grpSpPr>
+      <p:sp>
+        <p:nvSpPr>
+          <p:cNvPr id="2" name="Title 1"/>
+          <p:cNvSpPr>
+            <a:spLocks noGrp="1"/>
+          </p:cNvSpPr>
+          <p:nvPr>
+            <p:ph type="title"/>
+          </p:nvPr>
+        </p:nvSpPr>
+        <p:spPr/>
+        <p:txBody>
+          <a:bodyPr/>
+          <a:lstStyle/>
+          <a:p>
+            <a:r>
+              <a:rPr lang="en-US" dirty="0"/>
+              <a:t>Example 10: </a:t>
+            </a:r>
+            <a:r>
+              <a:rPr lang="en-US" dirty="0" smtClean="0"/>
+              <a:t>True fusion assembly identified by Trinity/</a:t>
+            </a:r>
+            <a:r>
+              <a:rPr lang="en-US" dirty="0" err="1" smtClean="0"/>
+              <a:t>gmap</a:t>
+            </a:r>
+            <a:endParaRPr lang="en-US" dirty="0"/>
+          </a:p>
+        </p:txBody>
+      </p:sp>
+      <p:sp>
+        <p:nvSpPr>
+          <p:cNvPr id="5" name="Content Placeholder 4"/>
+          <p:cNvSpPr>
+            <a:spLocks noGrp="1"/>
+          </p:cNvSpPr>
+          <p:nvPr>
+            <p:ph idx="1"/>
+          </p:nvPr>
+        </p:nvSpPr>
+        <p:spPr/>
+        <p:txBody>
+          <a:bodyPr/>
+          <a:lstStyle/>
+          <a:p>
+            <a:r>
+              <a:rPr lang="en-US" dirty="0" smtClean="0"/>
+              <a:t>The fusion breakpoint does not overlap a repeat</a:t>
+            </a:r>
+            <a:endParaRPr lang="en-US" dirty="0"/>
+          </a:p>
+        </p:txBody>
+      </p:sp>
+      <p:pic>
+        <p:nvPicPr>
+          <p:cNvPr id="3" name="Picture 2"/>
+          <p:cNvPicPr>
+            <a:picLocks noChangeAspect="1"/>
+          </p:cNvPicPr>
+          <p:nvPr/>
+        </p:nvPicPr>
+        <p:blipFill>
+          <a:blip r:embed="rId2"/>
+          <a:stretch>
+            <a:fillRect/>
+          </a:stretch>
+        </p:blipFill>
+        <p:spPr>
+          <a:xfrm>
+            <a:off x="395536" y="2492896"/>
+            <a:ext cx="8423920" cy="3853943"/>
+          </a:xfrm>
+          <a:prstGeom prst="rect">
+            <a:avLst/>
+          </a:prstGeom>
+        </p:spPr>
+      </p:pic>
+    </p:spTree>
+    <p:extLst>
+      <p:ext uri="{BB962C8B-B14F-4D97-AF65-F5344CB8AC3E}">
+        <p14:creationId xmlns:p14="http://schemas.microsoft.com/office/powerpoint/2010/main" val="2864495326"/>
+      </p:ext>
+    </p:extLst>
+  </p:cSld>
+  <p:clrMapOvr>
+    <a:masterClrMapping/>
+  </p:clrMapOvr>
 </p:sld>
 </file>
 
@@ -6835,15 +6599,7 @@
           <a:p>
             <a:r>
               <a:rPr lang="en-US" dirty="0" smtClean="0"/>
-              <a:t>Assembly artifact </a:t>
-            </a:r>
-            <a:r>
-              <a:rPr lang="en-US" dirty="0"/>
-              <a:t>chimera produced by a </a:t>
-            </a:r>
-            <a:r>
-              <a:rPr lang="en-US" dirty="0" smtClean="0"/>
-              <a:t>Simple repeat</a:t>
+              <a:t>Fusion Discovery Tools</a:t>
             </a:r>
             <a:endParaRPr lang="en-US" dirty="0"/>
           </a:p>
@@ -6851,7 +6607,7 @@
       </p:sp>
       <p:sp>
         <p:nvSpPr>
-          <p:cNvPr id="5" name="Content Placeholder 4"/>
+          <p:cNvPr id="3" name="Content Placeholder 2"/>
           <p:cNvSpPr>
             <a:spLocks noGrp="1"/>
           </p:cNvSpPr>
@@ -6865,41 +6621,83 @@
           <a:lstStyle/>
           <a:p>
             <a:r>
-              <a:rPr lang="en-US" dirty="0"/>
-              <a:t>chr20:6,759,757-6,760,925</a:t>
+              <a:rPr lang="en-US" dirty="0" err="1" smtClean="0"/>
+              <a:t>deFuse</a:t>
             </a:r>
             <a:endParaRPr lang="en-US" dirty="0" smtClean="0"/>
+          </a:p>
+          <a:p>
+            <a:endParaRPr lang="en-US" dirty="0"/>
+          </a:p>
+          <a:p>
+            <a:r>
+              <a:rPr lang="en-US" dirty="0" err="1" smtClean="0"/>
+              <a:t>ChimeraScan</a:t>
+            </a:r>
+            <a:endParaRPr lang="en-US" dirty="0" smtClean="0"/>
+          </a:p>
+          <a:p>
+            <a:endParaRPr lang="en-US" dirty="0"/>
+          </a:p>
+          <a:p>
+            <a:r>
+              <a:rPr lang="en-US" dirty="0" err="1" smtClean="0"/>
+              <a:t>Tophat</a:t>
+            </a:r>
+            <a:r>
+              <a:rPr lang="en-US" dirty="0" smtClean="0"/>
+              <a:t>-Fusion</a:t>
+            </a:r>
+          </a:p>
+          <a:p>
+            <a:endParaRPr lang="en-US" dirty="0"/>
+          </a:p>
+          <a:p>
+            <a:r>
+              <a:rPr lang="en-US" dirty="0" smtClean="0"/>
+              <a:t>Trinity / </a:t>
+            </a:r>
+            <a:r>
+              <a:rPr lang="en-US" dirty="0" err="1" smtClean="0"/>
+              <a:t>gmap</a:t>
+            </a:r>
+            <a:r>
+              <a:rPr lang="en-US" dirty="0" smtClean="0"/>
+              <a:t> / </a:t>
+            </a:r>
+            <a:r>
+              <a:rPr lang="en-US" dirty="0" err="1" smtClean="0"/>
+              <a:t>rsem</a:t>
+            </a:r>
+            <a:endParaRPr lang="en-US" dirty="0" smtClean="0"/>
+          </a:p>
+          <a:p>
+            <a:endParaRPr lang="en-US" dirty="0"/>
+          </a:p>
+          <a:p>
+            <a:pPr marL="457200" lvl="1" indent="0">
+              <a:buNone/>
+            </a:pPr>
+            <a:r>
+              <a:rPr lang="en-US" dirty="0" smtClean="0"/>
+              <a:t>See the lab </a:t>
+            </a:r>
+            <a:r>
+              <a:rPr lang="en-US" dirty="0" err="1" smtClean="0"/>
+              <a:t>writeup</a:t>
+            </a:r>
+            <a:r>
+              <a:rPr lang="en-US" dirty="0" smtClean="0"/>
+              <a:t> for running the tools on the simulated data</a:t>
+            </a:r>
+            <a:endParaRPr lang="en-US" dirty="0"/>
           </a:p>
         </p:txBody>
       </p:sp>
-      <p:pic>
-        <p:nvPicPr>
-          <p:cNvPr id="7" name="Picture 6"/>
-          <p:cNvPicPr>
-            <a:picLocks noChangeAspect="1"/>
-          </p:cNvPicPr>
-          <p:nvPr/>
-        </p:nvPicPr>
-        <p:blipFill>
-          <a:blip r:embed="rId2"/>
-          <a:stretch>
-            <a:fillRect/>
-          </a:stretch>
-        </p:blipFill>
-        <p:spPr>
-          <a:xfrm>
-            <a:off x="0" y="2780928"/>
-            <a:ext cx="9144000" cy="3371850"/>
-          </a:xfrm>
-          <a:prstGeom prst="rect">
-            <a:avLst/>
-          </a:prstGeom>
-        </p:spPr>
-      </p:pic>
     </p:spTree>
     <p:extLst>
       <p:ext uri="{BB962C8B-B14F-4D97-AF65-F5344CB8AC3E}">
-        <p14:creationId xmlns:p14="http://schemas.microsoft.com/office/powerpoint/2010/main" val="3550012172"/>
+        <p14:creationId xmlns:p14="http://schemas.microsoft.com/office/powerpoint/2010/main" val="2002386889"/>
       </p:ext>
     </p:extLst>
   </p:cSld>
@@ -6943,15 +6741,7 @@
           <a:p>
             <a:r>
               <a:rPr lang="en-US" dirty="0" smtClean="0"/>
-              <a:t>Assembly artifact </a:t>
-            </a:r>
-            <a:r>
-              <a:rPr lang="en-US" dirty="0"/>
-              <a:t>chimera produced by a SINE </a:t>
-            </a:r>
-            <a:r>
-              <a:rPr lang="en-US" dirty="0" smtClean="0"/>
-              <a:t>repeat</a:t>
+              <a:t>Example 1: Artifact fusion induced by homology</a:t>
             </a:r>
             <a:endParaRPr lang="en-US" dirty="0"/>
           </a:p>
@@ -6959,7 +6749,7 @@
       </p:sp>
       <p:sp>
         <p:nvSpPr>
-          <p:cNvPr id="5" name="Content Placeholder 4"/>
+          <p:cNvPr id="3" name="Content Placeholder 2"/>
           <p:cNvSpPr>
             <a:spLocks noGrp="1"/>
           </p:cNvSpPr>
@@ -6974,40 +6764,321 @@
           <a:p>
             <a:r>
               <a:rPr lang="en-US" dirty="0"/>
-              <a:t>chr20:18,467,148-18,469,269</a:t>
+              <a:t>Notice </a:t>
+            </a:r>
+            <a:r>
+              <a:rPr lang="en-US" dirty="0" smtClean="0"/>
+              <a:t>the best </a:t>
+            </a:r>
+            <a:r>
+              <a:rPr lang="en-US" dirty="0"/>
+              <a:t>matches overlap in the query sequence</a:t>
             </a:r>
             <a:endParaRPr lang="en-US" dirty="0" smtClean="0"/>
+          </a:p>
+          <a:p>
+            <a:endParaRPr lang="en-US" dirty="0"/>
           </a:p>
         </p:txBody>
       </p:sp>
-      <p:pic>
-        <p:nvPicPr>
-          <p:cNvPr id="3" name="Picture 2"/>
-          <p:cNvPicPr>
-            <a:picLocks noChangeAspect="1"/>
-          </p:cNvPicPr>
+      <p:sp>
+        <p:nvSpPr>
+          <p:cNvPr id="5" name="TextBox 4"/>
+          <p:cNvSpPr txBox="1"/>
           <p:nvPr/>
-        </p:nvPicPr>
-        <p:blipFill>
-          <a:blip r:embed="rId2"/>
-          <a:stretch>
-            <a:fillRect/>
-          </a:stretch>
-        </p:blipFill>
+        </p:nvSpPr>
         <p:spPr>
           <a:xfrm>
-            <a:off x="0" y="2564904"/>
-            <a:ext cx="9144000" cy="3600450"/>
+            <a:off x="179512" y="2996952"/>
+            <a:ext cx="8928992" cy="2092881"/>
           </a:xfrm>
           <a:prstGeom prst="rect">
             <a:avLst/>
           </a:prstGeom>
+          <a:noFill/>
         </p:spPr>
-      </p:pic>
+        <p:txBody>
+          <a:bodyPr wrap="square" rtlCol="0">
+            <a:spAutoFit/>
+          </a:bodyPr>
+          <a:lstStyle/>
+          <a:p>
+            <a:r>
+              <a:rPr lang="en-US" sz="1000" dirty="0">
+                <a:latin typeface="Courier"/>
+                <a:cs typeface="Courier"/>
+              </a:rPr>
+              <a:t> ACTIONS      QUERY           SCORE START  END QSIZE IDENTITY CHRO STRAND  START    END      SPAN</a:t>
+            </a:r>
+          </a:p>
+          <a:p>
+            <a:r>
+              <a:rPr lang="en-US" sz="1000" dirty="0">
+                <a:latin typeface="Courier"/>
+                <a:cs typeface="Courier"/>
+              </a:rPr>
+              <a:t>---------------------------------------------------------------------------------------------------</a:t>
+            </a:r>
+          </a:p>
+          <a:p>
+            <a:r>
+              <a:rPr lang="en-US" sz="1000" dirty="0">
+                <a:latin typeface="Courier"/>
+                <a:cs typeface="Courier"/>
+              </a:rPr>
+              <a:t>browser details </a:t>
+            </a:r>
+            <a:r>
+              <a:rPr lang="en-US" sz="1000" dirty="0" err="1">
+                <a:latin typeface="Courier"/>
+                <a:cs typeface="Courier"/>
+              </a:rPr>
+              <a:t>YourSeq</a:t>
+            </a:r>
+            <a:r>
+              <a:rPr lang="en-US" sz="1000" dirty="0">
+                <a:latin typeface="Courier"/>
+                <a:cs typeface="Courier"/>
+              </a:rPr>
+              <a:t>          132     1   141   171  97.2%    17   +   62499145  62499374    230</a:t>
+            </a:r>
+          </a:p>
+          <a:p>
+            <a:r>
+              <a:rPr lang="en-US" sz="1000" dirty="0">
+                <a:latin typeface="Courier"/>
+                <a:cs typeface="Courier"/>
+              </a:rPr>
+              <a:t>browser details </a:t>
+            </a:r>
+            <a:r>
+              <a:rPr lang="en-US" sz="1000" dirty="0" err="1">
+                <a:latin typeface="Courier"/>
+                <a:cs typeface="Courier"/>
+              </a:rPr>
+              <a:t>YourSeq</a:t>
+            </a:r>
+            <a:r>
+              <a:rPr lang="en-US" sz="1000" dirty="0">
+                <a:latin typeface="Courier"/>
+                <a:cs typeface="Courier"/>
+              </a:rPr>
+              <a:t>           96     2   154   171  88.8%    22   +   38890737  38890976    240</a:t>
+            </a:r>
+          </a:p>
+          <a:p>
+            <a:r>
+              <a:rPr lang="en-US" sz="1000" dirty="0">
+                <a:latin typeface="Courier"/>
+                <a:cs typeface="Courier"/>
+              </a:rPr>
+              <a:t>browser details </a:t>
+            </a:r>
+            <a:r>
+              <a:rPr lang="en-US" sz="1000" dirty="0" err="1">
+                <a:latin typeface="Courier"/>
+                <a:cs typeface="Courier"/>
+              </a:rPr>
+              <a:t>YourSeq</a:t>
+            </a:r>
+            <a:r>
+              <a:rPr lang="en-US" sz="1000" dirty="0">
+                <a:latin typeface="Courier"/>
+                <a:cs typeface="Courier"/>
+              </a:rPr>
+              <a:t>           67   104   171   171 100.0%     Y   -   15027123  15027592    470</a:t>
+            </a:r>
+          </a:p>
+          <a:p>
+            <a:r>
+              <a:rPr lang="en-US" sz="1000" dirty="0">
+                <a:latin typeface="Courier"/>
+                <a:cs typeface="Courier"/>
+              </a:rPr>
+              <a:t>browser details </a:t>
+            </a:r>
+            <a:r>
+              <a:rPr lang="en-US" sz="1000" dirty="0" err="1">
+                <a:latin typeface="Courier"/>
+                <a:cs typeface="Courier"/>
+              </a:rPr>
+              <a:t>YourSeq</a:t>
+            </a:r>
+            <a:r>
+              <a:rPr lang="en-US" sz="1000" dirty="0">
+                <a:latin typeface="Courier"/>
+                <a:cs typeface="Courier"/>
+              </a:rPr>
+              <a:t>           62   108   171   171  98.5%     X   -   73350813  73350876     64</a:t>
+            </a:r>
+          </a:p>
+          <a:p>
+            <a:r>
+              <a:rPr lang="en-US" sz="1000" dirty="0">
+                <a:latin typeface="Courier"/>
+                <a:cs typeface="Courier"/>
+              </a:rPr>
+              <a:t>browser details </a:t>
+            </a:r>
+            <a:r>
+              <a:rPr lang="en-US" sz="1000" dirty="0" err="1">
+                <a:latin typeface="Courier"/>
+                <a:cs typeface="Courier"/>
+              </a:rPr>
+              <a:t>YourSeq</a:t>
+            </a:r>
+            <a:r>
+              <a:rPr lang="en-US" sz="1000" dirty="0">
+                <a:latin typeface="Courier"/>
+                <a:cs typeface="Courier"/>
+              </a:rPr>
+              <a:t>           40    88   141   171  87.1%     6   -   74118977  74119030     54</a:t>
+            </a:r>
+          </a:p>
+          <a:p>
+            <a:r>
+              <a:rPr lang="en-US" sz="1000" dirty="0">
+                <a:latin typeface="Courier"/>
+                <a:cs typeface="Courier"/>
+              </a:rPr>
+              <a:t>browser details </a:t>
+            </a:r>
+            <a:r>
+              <a:rPr lang="en-US" sz="1000" dirty="0" err="1">
+                <a:latin typeface="Courier"/>
+                <a:cs typeface="Courier"/>
+              </a:rPr>
+              <a:t>YourSeq</a:t>
+            </a:r>
+            <a:r>
+              <a:rPr lang="en-US" sz="1000" dirty="0">
+                <a:latin typeface="Courier"/>
+                <a:cs typeface="Courier"/>
+              </a:rPr>
+              <a:t>           32    84   116   171 100.0%    22   -   49607171  49613016   5846</a:t>
+            </a:r>
+          </a:p>
+          <a:p>
+            <a:r>
+              <a:rPr lang="en-US" sz="1000" dirty="0">
+                <a:latin typeface="Courier"/>
+                <a:cs typeface="Courier"/>
+              </a:rPr>
+              <a:t>browser details </a:t>
+            </a:r>
+            <a:r>
+              <a:rPr lang="en-US" sz="1000" dirty="0" err="1">
+                <a:latin typeface="Courier"/>
+                <a:cs typeface="Courier"/>
+              </a:rPr>
+              <a:t>YourSeq</a:t>
+            </a:r>
+            <a:r>
+              <a:rPr lang="en-US" sz="1000" dirty="0">
+                <a:latin typeface="Courier"/>
+                <a:cs typeface="Courier"/>
+              </a:rPr>
+              <a:t>           22    92   114   171 100.0%     4   +   72709432  72709456     25</a:t>
+            </a:r>
+          </a:p>
+          <a:p>
+            <a:r>
+              <a:rPr lang="en-US" sz="1000" dirty="0">
+                <a:latin typeface="Courier"/>
+                <a:cs typeface="Courier"/>
+              </a:rPr>
+              <a:t>browser details </a:t>
+            </a:r>
+            <a:r>
+              <a:rPr lang="en-US" sz="1000" dirty="0" err="1">
+                <a:latin typeface="Courier"/>
+                <a:cs typeface="Courier"/>
+              </a:rPr>
+              <a:t>YourSeq</a:t>
+            </a:r>
+            <a:r>
+              <a:rPr lang="en-US" sz="1000" dirty="0">
+                <a:latin typeface="Courier"/>
+                <a:cs typeface="Courier"/>
+              </a:rPr>
+              <a:t>           21    95   116   171 100.0%     6   +  131014581 131014603     23</a:t>
+            </a:r>
+          </a:p>
+          <a:p>
+            <a:r>
+              <a:rPr lang="en-US" sz="1000" dirty="0">
+                <a:latin typeface="Courier"/>
+                <a:cs typeface="Courier"/>
+              </a:rPr>
+              <a:t>browser details </a:t>
+            </a:r>
+            <a:r>
+              <a:rPr lang="en-US" sz="1000" dirty="0" err="1">
+                <a:latin typeface="Courier"/>
+                <a:cs typeface="Courier"/>
+              </a:rPr>
+              <a:t>YourSeq</a:t>
+            </a:r>
+            <a:r>
+              <a:rPr lang="en-US" sz="1000" dirty="0">
+                <a:latin typeface="Courier"/>
+                <a:cs typeface="Courier"/>
+              </a:rPr>
+              <a:t>           20    93   112   171 100.0%     2   -  157047083 157047102     20</a:t>
+            </a:r>
+          </a:p>
+          <a:p>
+            <a:r>
+              <a:rPr lang="en-US" sz="1000" dirty="0">
+                <a:latin typeface="Courier"/>
+                <a:cs typeface="Courier"/>
+              </a:rPr>
+              <a:t>browser details </a:t>
+            </a:r>
+            <a:r>
+              <a:rPr lang="en-US" sz="1000" dirty="0" err="1">
+                <a:latin typeface="Courier"/>
+                <a:cs typeface="Courier"/>
+              </a:rPr>
+              <a:t>YourSeq</a:t>
+            </a:r>
+            <a:r>
+              <a:rPr lang="en-US" sz="1000" dirty="0">
+                <a:latin typeface="Courier"/>
+                <a:cs typeface="Courier"/>
+              </a:rPr>
+              <a:t>           20   101   122   171  95.5%    14   -   29461851  29461872     22</a:t>
+            </a:r>
+          </a:p>
+          <a:p>
+            <a:r>
+              <a:rPr lang="en-US" sz="1000" dirty="0">
+                <a:latin typeface="Courier"/>
+                <a:cs typeface="Courier"/>
+              </a:rPr>
+              <a:t>browser details </a:t>
+            </a:r>
+            <a:r>
+              <a:rPr lang="en-US" sz="1000" dirty="0" err="1">
+                <a:latin typeface="Courier"/>
+                <a:cs typeface="Courier"/>
+              </a:rPr>
+              <a:t>YourSeq</a:t>
+            </a:r>
+            <a:r>
+              <a:rPr lang="en-US" sz="1000" dirty="0">
+                <a:latin typeface="Courier"/>
+                <a:cs typeface="Courier"/>
+              </a:rPr>
+              <a:t>           20     1    20   171 100.0%     3   +  175393751 175393770     20</a:t>
+            </a:r>
+          </a:p>
+        </p:txBody>
+      </p:sp>
     </p:spTree>
     <p:extLst>
       <p:ext uri="{BB962C8B-B14F-4D97-AF65-F5344CB8AC3E}">
-        <p14:creationId xmlns:p14="http://schemas.microsoft.com/office/powerpoint/2010/main" val="899632119"/>
+        <p14:creationId xmlns:p14="http://schemas.microsoft.com/office/powerpoint/2010/main" val="2818107218"/>
       </p:ext>
     </p:extLst>
   </p:cSld>
@@ -7051,11 +7122,7 @@
           <a:p>
             <a:r>
               <a:rPr lang="en-US" dirty="0" smtClean="0"/>
-              <a:t>True fusion assembly identified by Trinity/</a:t>
-            </a:r>
-            <a:r>
-              <a:rPr lang="en-US" dirty="0" err="1" smtClean="0"/>
-              <a:t>gmap</a:t>
+              <a:t>Example 2: Artifact fusion induced by repetitive genome sequence </a:t>
             </a:r>
             <a:endParaRPr lang="en-US" dirty="0"/>
           </a:p>
@@ -7063,7 +7130,7 @@
       </p:sp>
       <p:sp>
         <p:nvSpPr>
-          <p:cNvPr id="5" name="Content Placeholder 4"/>
+          <p:cNvPr id="3" name="Content Placeholder 2"/>
           <p:cNvSpPr>
             <a:spLocks noGrp="1"/>
           </p:cNvSpPr>
@@ -7078,40 +7145,401 @@
           <a:p>
             <a:r>
               <a:rPr lang="en-US" dirty="0"/>
-              <a:t>chr20:35,241,397-35,269,781</a:t>
-            </a:r>
-            <a:endParaRPr lang="en-US" dirty="0" smtClean="0"/>
+              <a:t>one part of the query sequence maps to many locations in the genome</a:t>
+            </a:r>
           </a:p>
         </p:txBody>
       </p:sp>
-      <p:pic>
-        <p:nvPicPr>
-          <p:cNvPr id="4" name="Picture 3"/>
-          <p:cNvPicPr>
-            <a:picLocks noChangeAspect="1"/>
-          </p:cNvPicPr>
+      <p:sp>
+        <p:nvSpPr>
+          <p:cNvPr id="4" name="TextBox 3"/>
+          <p:cNvSpPr txBox="1"/>
           <p:nvPr/>
-        </p:nvPicPr>
-        <p:blipFill>
-          <a:blip r:embed="rId2"/>
-          <a:stretch>
-            <a:fillRect/>
-          </a:stretch>
-        </p:blipFill>
+        </p:nvSpPr>
         <p:spPr>
           <a:xfrm>
-            <a:off x="0" y="2492896"/>
-            <a:ext cx="9144000" cy="3611880"/>
+            <a:off x="251520" y="2852936"/>
+            <a:ext cx="9361040" cy="2970043"/>
           </a:xfrm>
           <a:prstGeom prst="rect">
             <a:avLst/>
           </a:prstGeom>
+          <a:noFill/>
         </p:spPr>
-      </p:pic>
+        <p:txBody>
+          <a:bodyPr wrap="square" rtlCol="0">
+            <a:spAutoFit/>
+          </a:bodyPr>
+          <a:lstStyle/>
+          <a:p>
+            <a:r>
+              <a:rPr lang="en-US" sz="1100" dirty="0">
+                <a:latin typeface="Courier"/>
+                <a:cs typeface="Courier"/>
+              </a:rPr>
+              <a:t> ACTIONS      QUERY           SCORE START  END QSIZE IDENTITY CHRO STRAND  START    END      SPAN</a:t>
+            </a:r>
+          </a:p>
+          <a:p>
+            <a:r>
+              <a:rPr lang="en-US" sz="1100" dirty="0">
+                <a:latin typeface="Courier"/>
+                <a:cs typeface="Courier"/>
+              </a:rPr>
+              <a:t>---------------------------------------------------------------------------------------------------</a:t>
+            </a:r>
+          </a:p>
+          <a:p>
+            <a:r>
+              <a:rPr lang="en-US" sz="1100" dirty="0">
+                <a:latin typeface="Courier"/>
+                <a:cs typeface="Courier"/>
+              </a:rPr>
+              <a:t>browser details </a:t>
+            </a:r>
+            <a:r>
+              <a:rPr lang="en-US" sz="1100" dirty="0" err="1">
+                <a:latin typeface="Courier"/>
+                <a:cs typeface="Courier"/>
+              </a:rPr>
+              <a:t>YourSeq</a:t>
+            </a:r>
+            <a:r>
+              <a:rPr lang="en-US" sz="1100" dirty="0">
+                <a:latin typeface="Courier"/>
+                <a:cs typeface="Courier"/>
+              </a:rPr>
+              <a:t>           68    40   107   107 100.0%    22   -   32435560  32435627     68</a:t>
+            </a:r>
+          </a:p>
+          <a:p>
+            <a:r>
+              <a:rPr lang="en-US" sz="1100" dirty="0">
+                <a:latin typeface="Courier"/>
+                <a:cs typeface="Courier"/>
+              </a:rPr>
+              <a:t>browser details </a:t>
+            </a:r>
+            <a:r>
+              <a:rPr lang="en-US" sz="1100" dirty="0" err="1">
+                <a:latin typeface="Courier"/>
+                <a:cs typeface="Courier"/>
+              </a:rPr>
+              <a:t>YourSeq</a:t>
+            </a:r>
+            <a:r>
+              <a:rPr lang="en-US" sz="1100" dirty="0">
+                <a:latin typeface="Courier"/>
+                <a:cs typeface="Courier"/>
+              </a:rPr>
+              <a:t>           64    40   107   107  97.1%    15   +   82824392  82824459     68</a:t>
+            </a:r>
+          </a:p>
+          <a:p>
+            <a:r>
+              <a:rPr lang="en-US" sz="1100" dirty="0">
+                <a:latin typeface="Courier"/>
+                <a:cs typeface="Courier"/>
+              </a:rPr>
+              <a:t>browser details </a:t>
+            </a:r>
+            <a:r>
+              <a:rPr lang="en-US" sz="1100" dirty="0" err="1">
+                <a:latin typeface="Courier"/>
+                <a:cs typeface="Courier"/>
+              </a:rPr>
+              <a:t>YourSeq</a:t>
+            </a:r>
+            <a:r>
+              <a:rPr lang="en-US" sz="1100" dirty="0">
+                <a:latin typeface="Courier"/>
+                <a:cs typeface="Courier"/>
+              </a:rPr>
+              <a:t>           64    40   107   107  97.1%    15   +   83208735  83208802     68</a:t>
+            </a:r>
+          </a:p>
+          <a:p>
+            <a:r>
+              <a:rPr lang="en-US" sz="1100" dirty="0">
+                <a:latin typeface="Courier"/>
+                <a:cs typeface="Courier"/>
+              </a:rPr>
+              <a:t>browser details </a:t>
+            </a:r>
+            <a:r>
+              <a:rPr lang="en-US" sz="1100" dirty="0" err="1">
+                <a:latin typeface="Courier"/>
+                <a:cs typeface="Courier"/>
+              </a:rPr>
+              <a:t>YourSeq</a:t>
+            </a:r>
+            <a:r>
+              <a:rPr lang="en-US" sz="1100" dirty="0">
+                <a:latin typeface="Courier"/>
+                <a:cs typeface="Courier"/>
+              </a:rPr>
+              <a:t>           62    40   107   107  95.6%     5   -  116052023 116052090     68</a:t>
+            </a:r>
+          </a:p>
+          <a:p>
+            <a:r>
+              <a:rPr lang="en-US" sz="1100" dirty="0">
+                <a:latin typeface="Courier"/>
+                <a:cs typeface="Courier"/>
+              </a:rPr>
+              <a:t>browser details </a:t>
+            </a:r>
+            <a:r>
+              <a:rPr lang="en-US" sz="1100" dirty="0" err="1">
+                <a:latin typeface="Courier"/>
+                <a:cs typeface="Courier"/>
+              </a:rPr>
+              <a:t>YourSeq</a:t>
+            </a:r>
+            <a:r>
+              <a:rPr lang="en-US" sz="1100" dirty="0">
+                <a:latin typeface="Courier"/>
+                <a:cs typeface="Courier"/>
+              </a:rPr>
+              <a:t>           60    40   107   107  94.2%    17   -   29158008  29158075     68</a:t>
+            </a:r>
+          </a:p>
+          <a:p>
+            <a:r>
+              <a:rPr lang="en-US" sz="1100" dirty="0">
+                <a:latin typeface="Courier"/>
+                <a:cs typeface="Courier"/>
+              </a:rPr>
+              <a:t>browser details </a:t>
+            </a:r>
+            <a:r>
+              <a:rPr lang="en-US" sz="1100" dirty="0" err="1">
+                <a:latin typeface="Courier"/>
+                <a:cs typeface="Courier"/>
+              </a:rPr>
+              <a:t>YourSeq</a:t>
+            </a:r>
+            <a:r>
+              <a:rPr lang="en-US" sz="1100" dirty="0">
+                <a:latin typeface="Courier"/>
+                <a:cs typeface="Courier"/>
+              </a:rPr>
+              <a:t>           58    40   107   107  92.7%     1   +  167131923 167131990     68</a:t>
+            </a:r>
+          </a:p>
+          <a:p>
+            <a:r>
+              <a:rPr lang="en-US" sz="1100" dirty="0">
+                <a:latin typeface="Courier"/>
+                <a:cs typeface="Courier"/>
+              </a:rPr>
+              <a:t>browser details </a:t>
+            </a:r>
+            <a:r>
+              <a:rPr lang="en-US" sz="1100" dirty="0" err="1">
+                <a:latin typeface="Courier"/>
+                <a:cs typeface="Courier"/>
+              </a:rPr>
+              <a:t>YourSeq</a:t>
+            </a:r>
+            <a:r>
+              <a:rPr lang="en-US" sz="1100" dirty="0">
+                <a:latin typeface="Courier"/>
+                <a:cs typeface="Courier"/>
+              </a:rPr>
+              <a:t>           57    44   102   107  98.4%     6   -   63257401  63257459     59</a:t>
+            </a:r>
+          </a:p>
+          <a:p>
+            <a:r>
+              <a:rPr lang="en-US" sz="1100" dirty="0">
+                <a:latin typeface="Courier"/>
+                <a:cs typeface="Courier"/>
+              </a:rPr>
+              <a:t>browser details </a:t>
+            </a:r>
+            <a:r>
+              <a:rPr lang="en-US" sz="1100" dirty="0" err="1">
+                <a:latin typeface="Courier"/>
+                <a:cs typeface="Courier"/>
+              </a:rPr>
+              <a:t>YourSeq</a:t>
+            </a:r>
+            <a:r>
+              <a:rPr lang="en-US" sz="1100" dirty="0">
+                <a:latin typeface="Courier"/>
+                <a:cs typeface="Courier"/>
+              </a:rPr>
+              <a:t>           54    44   107   107  92.2%     6   +   50825228  50825291     64</a:t>
+            </a:r>
+          </a:p>
+          <a:p>
+            <a:r>
+              <a:rPr lang="en-US" sz="1100" dirty="0">
+                <a:latin typeface="Courier"/>
+                <a:cs typeface="Courier"/>
+              </a:rPr>
+              <a:t>browser details </a:t>
+            </a:r>
+            <a:r>
+              <a:rPr lang="en-US" sz="1100" dirty="0" err="1">
+                <a:latin typeface="Courier"/>
+                <a:cs typeface="Courier"/>
+              </a:rPr>
+              <a:t>YourSeq</a:t>
+            </a:r>
+            <a:r>
+              <a:rPr lang="en-US" sz="1100" dirty="0">
+                <a:latin typeface="Courier"/>
+                <a:cs typeface="Courier"/>
+              </a:rPr>
+              <a:t>           54    41   106   107  85.8%     3   +  143574838 143574900     63</a:t>
+            </a:r>
+          </a:p>
+          <a:p>
+            <a:r>
+              <a:rPr lang="en-US" sz="1100" dirty="0">
+                <a:latin typeface="Courier"/>
+                <a:cs typeface="Courier"/>
+              </a:rPr>
+              <a:t>browser details </a:t>
+            </a:r>
+            <a:r>
+              <a:rPr lang="en-US" sz="1100" dirty="0" err="1">
+                <a:latin typeface="Courier"/>
+                <a:cs typeface="Courier"/>
+              </a:rPr>
+              <a:t>YourSeq</a:t>
+            </a:r>
+            <a:r>
+              <a:rPr lang="en-US" sz="1100" dirty="0">
+                <a:latin typeface="Courier"/>
+                <a:cs typeface="Courier"/>
+              </a:rPr>
+              <a:t>           37    44    88   107  91.2%     7   -   37156486  37156530     45</a:t>
+            </a:r>
+          </a:p>
+          <a:p>
+            <a:r>
+              <a:rPr lang="en-US" sz="1100" dirty="0">
+                <a:latin typeface="Courier"/>
+                <a:cs typeface="Courier"/>
+              </a:rPr>
+              <a:t>browser details </a:t>
+            </a:r>
+            <a:r>
+              <a:rPr lang="en-US" sz="1100" dirty="0" err="1">
+                <a:latin typeface="Courier"/>
+                <a:cs typeface="Courier"/>
+              </a:rPr>
+              <a:t>YourSeq</a:t>
+            </a:r>
+            <a:r>
+              <a:rPr lang="en-US" sz="1100" dirty="0">
+                <a:latin typeface="Courier"/>
+                <a:cs typeface="Courier"/>
+              </a:rPr>
+              <a:t>           35     1    35   107 100.0%    15   -   82824833  82824867     35</a:t>
+            </a:r>
+          </a:p>
+          <a:p>
+            <a:r>
+              <a:rPr lang="en-US" sz="1100" dirty="0">
+                <a:latin typeface="Courier"/>
+                <a:cs typeface="Courier"/>
+              </a:rPr>
+              <a:t>browser details </a:t>
+            </a:r>
+            <a:r>
+              <a:rPr lang="en-US" sz="1100" dirty="0" err="1">
+                <a:latin typeface="Courier"/>
+                <a:cs typeface="Courier"/>
+              </a:rPr>
+              <a:t>YourSeq</a:t>
+            </a:r>
+            <a:r>
+              <a:rPr lang="en-US" sz="1100" dirty="0">
+                <a:latin typeface="Courier"/>
+                <a:cs typeface="Courier"/>
+              </a:rPr>
+              <a:t>           35     1    35   107 100.0%    15   -   83209176  83209210     35</a:t>
+            </a:r>
+          </a:p>
+          <a:p>
+            <a:r>
+              <a:rPr lang="en-US" sz="1100" dirty="0">
+                <a:latin typeface="Courier"/>
+                <a:cs typeface="Courier"/>
+              </a:rPr>
+              <a:t>browser details </a:t>
+            </a:r>
+            <a:r>
+              <a:rPr lang="en-US" sz="1100" dirty="0" err="1">
+                <a:latin typeface="Courier"/>
+                <a:cs typeface="Courier"/>
+              </a:rPr>
+              <a:t>YourSeq</a:t>
+            </a:r>
+            <a:r>
+              <a:rPr lang="en-US" sz="1100" dirty="0">
+                <a:latin typeface="Courier"/>
+                <a:cs typeface="Courier"/>
+              </a:rPr>
+              <a:t>           34    40    75   107  97.3%    11   +  110976470 110976505     36</a:t>
+            </a:r>
+          </a:p>
+          <a:p>
+            <a:r>
+              <a:rPr lang="en-US" sz="1100" dirty="0">
+                <a:latin typeface="Courier"/>
+                <a:cs typeface="Courier"/>
+              </a:rPr>
+              <a:t>browser details </a:t>
+            </a:r>
+            <a:r>
+              <a:rPr lang="en-US" sz="1100" dirty="0" err="1">
+                <a:latin typeface="Courier"/>
+                <a:cs typeface="Courier"/>
+              </a:rPr>
+              <a:t>YourSeq</a:t>
+            </a:r>
+            <a:r>
+              <a:rPr lang="en-US" sz="1100" dirty="0">
+                <a:latin typeface="Courier"/>
+                <a:cs typeface="Courier"/>
+              </a:rPr>
+              <a:t>           30     8    39   107  96.9%    22   +   32435452  32435483     32</a:t>
+            </a:r>
+          </a:p>
+          <a:p>
+            <a:r>
+              <a:rPr lang="en-US" sz="1100" dirty="0">
+                <a:latin typeface="Courier"/>
+                <a:cs typeface="Courier"/>
+              </a:rPr>
+              <a:t>browser details </a:t>
+            </a:r>
+            <a:r>
+              <a:rPr lang="en-US" sz="1100" dirty="0" err="1">
+                <a:latin typeface="Courier"/>
+                <a:cs typeface="Courier"/>
+              </a:rPr>
+              <a:t>YourSeq</a:t>
+            </a:r>
+            <a:r>
+              <a:rPr lang="en-US" sz="1100" dirty="0">
+                <a:latin typeface="Courier"/>
+                <a:cs typeface="Courier"/>
+              </a:rPr>
+              <a:t>           20     1    20   107 100.0%     5   +  144765194 144765213     20</a:t>
+            </a:r>
+          </a:p>
+        </p:txBody>
+      </p:sp>
     </p:spTree>
     <p:extLst>
       <p:ext uri="{BB962C8B-B14F-4D97-AF65-F5344CB8AC3E}">
-        <p14:creationId xmlns:p14="http://schemas.microsoft.com/office/powerpoint/2010/main" val="2791853980"/>
+        <p14:creationId xmlns:p14="http://schemas.microsoft.com/office/powerpoint/2010/main" val="1254736974"/>
       </p:ext>
     </p:extLst>
   </p:cSld>
@@ -7155,11 +7583,7 @@
           <a:p>
             <a:r>
               <a:rPr lang="en-US" dirty="0" smtClean="0"/>
-              <a:t>True fusion assembly identified by Trinity/</a:t>
-            </a:r>
-            <a:r>
-              <a:rPr lang="en-US" dirty="0" err="1" smtClean="0"/>
-              <a:t>gmap</a:t>
+              <a:t>Example 3: Artifact fusion induced by a NUMT insertion</a:t>
             </a:r>
             <a:endParaRPr lang="en-US" dirty="0"/>
           </a:p>
@@ -7167,7 +7591,7 @@
       </p:sp>
       <p:sp>
         <p:nvSpPr>
-          <p:cNvPr id="5" name="Content Placeholder 4"/>
+          <p:cNvPr id="3" name="Content Placeholder 2"/>
           <p:cNvSpPr>
             <a:spLocks noGrp="1"/>
           </p:cNvSpPr>
@@ -7181,16 +7605,20 @@
           <a:lstStyle/>
           <a:p>
             <a:r>
-              <a:rPr lang="en-US" dirty="0"/>
-              <a:t>chr20:60,718,853-60,738,677</a:t>
-            </a:r>
-            <a:endParaRPr lang="en-US" dirty="0" smtClean="0"/>
+              <a:rPr lang="en-US" dirty="0" smtClean="0"/>
+              <a:t>Notice the alignment is to a region annotated as </a:t>
+            </a:r>
+            <a:r>
+              <a:rPr lang="en-US" b="1" i="1" dirty="0" smtClean="0"/>
+              <a:t>NUMT</a:t>
+            </a:r>
+            <a:endParaRPr lang="en-US" b="1" i="1" dirty="0"/>
           </a:p>
         </p:txBody>
       </p:sp>
       <p:pic>
         <p:nvPicPr>
-          <p:cNvPr id="3" name="Picture 2"/>
+          <p:cNvPr id="4" name="Picture 3"/>
           <p:cNvPicPr>
             <a:picLocks noChangeAspect="1"/>
           </p:cNvPicPr>
@@ -7204,8 +7632,8 @@
         </p:blipFill>
         <p:spPr>
           <a:xfrm>
-            <a:off x="-108520" y="2204864"/>
-            <a:ext cx="9144000" cy="4183380"/>
+            <a:off x="0" y="2708920"/>
+            <a:ext cx="9144000" cy="3143250"/>
           </a:xfrm>
           <a:prstGeom prst="rect">
             <a:avLst/>
@@ -7215,7 +7643,7 @@
     </p:spTree>
     <p:extLst>
       <p:ext uri="{BB962C8B-B14F-4D97-AF65-F5344CB8AC3E}">
-        <p14:creationId xmlns:p14="http://schemas.microsoft.com/office/powerpoint/2010/main" val="523328355"/>
+        <p14:creationId xmlns:p14="http://schemas.microsoft.com/office/powerpoint/2010/main" val="3683222629"/>
       </p:ext>
     </p:extLst>
   </p:cSld>
@@ -7259,7 +7687,7 @@
           <a:p>
             <a:r>
               <a:rPr lang="en-US" dirty="0" smtClean="0"/>
-              <a:t>Example 1: Artifact fusion induced by homology</a:t>
+              <a:t>Example 4: Read-through chimera</a:t>
             </a:r>
             <a:endParaRPr lang="en-US" dirty="0"/>
           </a:p>
@@ -7281,322 +7709,40 @@
           <a:lstStyle/>
           <a:p>
             <a:r>
-              <a:rPr lang="en-US" dirty="0"/>
-              <a:t>Notice </a:t>
-            </a:r>
-            <a:r>
               <a:rPr lang="en-US" dirty="0" smtClean="0"/>
-              <a:t>the best </a:t>
-            </a:r>
-            <a:r>
-              <a:rPr lang="en-US" dirty="0"/>
-              <a:t>matches overlap in the query sequence</a:t>
-            </a:r>
-            <a:endParaRPr lang="en-US" dirty="0" smtClean="0"/>
-          </a:p>
-          <a:p>
+              <a:t>Full alignment to a contiguous section of the genome</a:t>
+            </a:r>
             <a:endParaRPr lang="en-US" dirty="0"/>
           </a:p>
         </p:txBody>
       </p:sp>
-      <p:sp>
-        <p:nvSpPr>
-          <p:cNvPr id="5" name="TextBox 4"/>
-          <p:cNvSpPr txBox="1"/>
+      <p:pic>
+        <p:nvPicPr>
+          <p:cNvPr id="4" name="Picture 3"/>
+          <p:cNvPicPr>
+            <a:picLocks noChangeAspect="1"/>
+          </p:cNvPicPr>
           <p:nvPr/>
-        </p:nvSpPr>
+        </p:nvPicPr>
+        <p:blipFill rotWithShape="1">
+          <a:blip r:embed="rId2"/>
+          <a:srcRect b="17179"/>
+          <a:stretch/>
+        </p:blipFill>
         <p:spPr>
           <a:xfrm>
-            <a:off x="179512" y="2996952"/>
-            <a:ext cx="8928992" cy="2092881"/>
+            <a:off x="0" y="2492896"/>
+            <a:ext cx="9144000" cy="3843406"/>
           </a:xfrm>
           <a:prstGeom prst="rect">
             <a:avLst/>
           </a:prstGeom>
-          <a:noFill/>
         </p:spPr>
-        <p:txBody>
-          <a:bodyPr wrap="square" rtlCol="0">
-            <a:spAutoFit/>
-          </a:bodyPr>
-          <a:lstStyle/>
-          <a:p>
-            <a:r>
-              <a:rPr lang="en-US" sz="1000" dirty="0">
-                <a:latin typeface="Courier"/>
-                <a:cs typeface="Courier"/>
-              </a:rPr>
-              <a:t> ACTIONS      QUERY           SCORE START  END QSIZE IDENTITY CHRO STRAND  START    END      SPAN</a:t>
-            </a:r>
-          </a:p>
-          <a:p>
-            <a:r>
-              <a:rPr lang="en-US" sz="1000" dirty="0">
-                <a:latin typeface="Courier"/>
-                <a:cs typeface="Courier"/>
-              </a:rPr>
-              <a:t>---------------------------------------------------------------------------------------------------</a:t>
-            </a:r>
-          </a:p>
-          <a:p>
-            <a:r>
-              <a:rPr lang="en-US" sz="1000" dirty="0">
-                <a:latin typeface="Courier"/>
-                <a:cs typeface="Courier"/>
-              </a:rPr>
-              <a:t>browser details </a:t>
-            </a:r>
-            <a:r>
-              <a:rPr lang="en-US" sz="1000" dirty="0" err="1">
-                <a:latin typeface="Courier"/>
-                <a:cs typeface="Courier"/>
-              </a:rPr>
-              <a:t>YourSeq</a:t>
-            </a:r>
-            <a:r>
-              <a:rPr lang="en-US" sz="1000" dirty="0">
-                <a:latin typeface="Courier"/>
-                <a:cs typeface="Courier"/>
-              </a:rPr>
-              <a:t>          132     1   141   171  97.2%    17   +   62499145  62499374    230</a:t>
-            </a:r>
-          </a:p>
-          <a:p>
-            <a:r>
-              <a:rPr lang="en-US" sz="1000" dirty="0">
-                <a:latin typeface="Courier"/>
-                <a:cs typeface="Courier"/>
-              </a:rPr>
-              <a:t>browser details </a:t>
-            </a:r>
-            <a:r>
-              <a:rPr lang="en-US" sz="1000" dirty="0" err="1">
-                <a:latin typeface="Courier"/>
-                <a:cs typeface="Courier"/>
-              </a:rPr>
-              <a:t>YourSeq</a:t>
-            </a:r>
-            <a:r>
-              <a:rPr lang="en-US" sz="1000" dirty="0">
-                <a:latin typeface="Courier"/>
-                <a:cs typeface="Courier"/>
-              </a:rPr>
-              <a:t>           96     2   154   171  88.8%    22   +   38890737  38890976    240</a:t>
-            </a:r>
-          </a:p>
-          <a:p>
-            <a:r>
-              <a:rPr lang="en-US" sz="1000" dirty="0">
-                <a:latin typeface="Courier"/>
-                <a:cs typeface="Courier"/>
-              </a:rPr>
-              <a:t>browser details </a:t>
-            </a:r>
-            <a:r>
-              <a:rPr lang="en-US" sz="1000" dirty="0" err="1">
-                <a:latin typeface="Courier"/>
-                <a:cs typeface="Courier"/>
-              </a:rPr>
-              <a:t>YourSeq</a:t>
-            </a:r>
-            <a:r>
-              <a:rPr lang="en-US" sz="1000" dirty="0">
-                <a:latin typeface="Courier"/>
-                <a:cs typeface="Courier"/>
-              </a:rPr>
-              <a:t>           67   104   171   171 100.0%     Y   -   15027123  15027592    470</a:t>
-            </a:r>
-          </a:p>
-          <a:p>
-            <a:r>
-              <a:rPr lang="en-US" sz="1000" dirty="0">
-                <a:latin typeface="Courier"/>
-                <a:cs typeface="Courier"/>
-              </a:rPr>
-              <a:t>browser details </a:t>
-            </a:r>
-            <a:r>
-              <a:rPr lang="en-US" sz="1000" dirty="0" err="1">
-                <a:latin typeface="Courier"/>
-                <a:cs typeface="Courier"/>
-              </a:rPr>
-              <a:t>YourSeq</a:t>
-            </a:r>
-            <a:r>
-              <a:rPr lang="en-US" sz="1000" dirty="0">
-                <a:latin typeface="Courier"/>
-                <a:cs typeface="Courier"/>
-              </a:rPr>
-              <a:t>           62   108   171   171  98.5%     X   -   73350813  73350876     64</a:t>
-            </a:r>
-          </a:p>
-          <a:p>
-            <a:r>
-              <a:rPr lang="en-US" sz="1000" dirty="0">
-                <a:latin typeface="Courier"/>
-                <a:cs typeface="Courier"/>
-              </a:rPr>
-              <a:t>browser details </a:t>
-            </a:r>
-            <a:r>
-              <a:rPr lang="en-US" sz="1000" dirty="0" err="1">
-                <a:latin typeface="Courier"/>
-                <a:cs typeface="Courier"/>
-              </a:rPr>
-              <a:t>YourSeq</a:t>
-            </a:r>
-            <a:r>
-              <a:rPr lang="en-US" sz="1000" dirty="0">
-                <a:latin typeface="Courier"/>
-                <a:cs typeface="Courier"/>
-              </a:rPr>
-              <a:t>           40    88   141   171  87.1%     6   -   74118977  74119030     54</a:t>
-            </a:r>
-          </a:p>
-          <a:p>
-            <a:r>
-              <a:rPr lang="en-US" sz="1000" dirty="0">
-                <a:latin typeface="Courier"/>
-                <a:cs typeface="Courier"/>
-              </a:rPr>
-              <a:t>browser details </a:t>
-            </a:r>
-            <a:r>
-              <a:rPr lang="en-US" sz="1000" dirty="0" err="1">
-                <a:latin typeface="Courier"/>
-                <a:cs typeface="Courier"/>
-              </a:rPr>
-              <a:t>YourSeq</a:t>
-            </a:r>
-            <a:r>
-              <a:rPr lang="en-US" sz="1000" dirty="0">
-                <a:latin typeface="Courier"/>
-                <a:cs typeface="Courier"/>
-              </a:rPr>
-              <a:t>           32    84   116   171 100.0%    22   -   49607171  49613016   5846</a:t>
-            </a:r>
-          </a:p>
-          <a:p>
-            <a:r>
-              <a:rPr lang="en-US" sz="1000" dirty="0">
-                <a:latin typeface="Courier"/>
-                <a:cs typeface="Courier"/>
-              </a:rPr>
-              <a:t>browser details </a:t>
-            </a:r>
-            <a:r>
-              <a:rPr lang="en-US" sz="1000" dirty="0" err="1">
-                <a:latin typeface="Courier"/>
-                <a:cs typeface="Courier"/>
-              </a:rPr>
-              <a:t>YourSeq</a:t>
-            </a:r>
-            <a:r>
-              <a:rPr lang="en-US" sz="1000" dirty="0">
-                <a:latin typeface="Courier"/>
-                <a:cs typeface="Courier"/>
-              </a:rPr>
-              <a:t>           22    92   114   171 100.0%     4   +   72709432  72709456     25</a:t>
-            </a:r>
-          </a:p>
-          <a:p>
-            <a:r>
-              <a:rPr lang="en-US" sz="1000" dirty="0">
-                <a:latin typeface="Courier"/>
-                <a:cs typeface="Courier"/>
-              </a:rPr>
-              <a:t>browser details </a:t>
-            </a:r>
-            <a:r>
-              <a:rPr lang="en-US" sz="1000" dirty="0" err="1">
-                <a:latin typeface="Courier"/>
-                <a:cs typeface="Courier"/>
-              </a:rPr>
-              <a:t>YourSeq</a:t>
-            </a:r>
-            <a:r>
-              <a:rPr lang="en-US" sz="1000" dirty="0">
-                <a:latin typeface="Courier"/>
-                <a:cs typeface="Courier"/>
-              </a:rPr>
-              <a:t>           21    95   116   171 100.0%     6   +  131014581 131014603     23</a:t>
-            </a:r>
-          </a:p>
-          <a:p>
-            <a:r>
-              <a:rPr lang="en-US" sz="1000" dirty="0">
-                <a:latin typeface="Courier"/>
-                <a:cs typeface="Courier"/>
-              </a:rPr>
-              <a:t>browser details </a:t>
-            </a:r>
-            <a:r>
-              <a:rPr lang="en-US" sz="1000" dirty="0" err="1">
-                <a:latin typeface="Courier"/>
-                <a:cs typeface="Courier"/>
-              </a:rPr>
-              <a:t>YourSeq</a:t>
-            </a:r>
-            <a:r>
-              <a:rPr lang="en-US" sz="1000" dirty="0">
-                <a:latin typeface="Courier"/>
-                <a:cs typeface="Courier"/>
-              </a:rPr>
-              <a:t>           20    93   112   171 100.0%     2   -  157047083 157047102     20</a:t>
-            </a:r>
-          </a:p>
-          <a:p>
-            <a:r>
-              <a:rPr lang="en-US" sz="1000" dirty="0">
-                <a:latin typeface="Courier"/>
-                <a:cs typeface="Courier"/>
-              </a:rPr>
-              <a:t>browser details </a:t>
-            </a:r>
-            <a:r>
-              <a:rPr lang="en-US" sz="1000" dirty="0" err="1">
-                <a:latin typeface="Courier"/>
-                <a:cs typeface="Courier"/>
-              </a:rPr>
-              <a:t>YourSeq</a:t>
-            </a:r>
-            <a:r>
-              <a:rPr lang="en-US" sz="1000" dirty="0">
-                <a:latin typeface="Courier"/>
-                <a:cs typeface="Courier"/>
-              </a:rPr>
-              <a:t>           20   101   122   171  95.5%    14   -   29461851  29461872     22</a:t>
-            </a:r>
-          </a:p>
-          <a:p>
-            <a:r>
-              <a:rPr lang="en-US" sz="1000" dirty="0">
-                <a:latin typeface="Courier"/>
-                <a:cs typeface="Courier"/>
-              </a:rPr>
-              <a:t>browser details </a:t>
-            </a:r>
-            <a:r>
-              <a:rPr lang="en-US" sz="1000" dirty="0" err="1">
-                <a:latin typeface="Courier"/>
-                <a:cs typeface="Courier"/>
-              </a:rPr>
-              <a:t>YourSeq</a:t>
-            </a:r>
-            <a:r>
-              <a:rPr lang="en-US" sz="1000" dirty="0">
-                <a:latin typeface="Courier"/>
-                <a:cs typeface="Courier"/>
-              </a:rPr>
-              <a:t>           20     1    20   171 100.0%     3   +  175393751 175393770     20</a:t>
-            </a:r>
-          </a:p>
-        </p:txBody>
-      </p:sp>
+      </p:pic>
     </p:spTree>
     <p:extLst>
       <p:ext uri="{BB962C8B-B14F-4D97-AF65-F5344CB8AC3E}">
-        <p14:creationId xmlns:p14="http://schemas.microsoft.com/office/powerpoint/2010/main" val="2818107218"/>
+        <p14:creationId xmlns:p14="http://schemas.microsoft.com/office/powerpoint/2010/main" val="649728576"/>
       </p:ext>
     </p:extLst>
   </p:cSld>
